--- a/picture/qemu/qemu.pptx
+++ b/picture/qemu/qemu.pptx
@@ -3648,7 +3648,7 @@
           <a:p>
             <a:pPr algn="ctr"/>
             <a:r>
-              <a:rPr lang="" altLang="zh-CN" sz="1400" b="1">
+              <a:rPr lang="en-US" altLang="zh-CN" sz="1400" b="1">
                 <a:solidFill>
                   <a:srgbClr val="2C3E50"/>
                 </a:solidFill>
@@ -3656,14 +3656,14 @@
               <a:t>VCPU</a:t>
             </a:r>
             <a:r>
-              <a:rPr lang="zh-CN" altLang="" sz="1400" b="1">
+              <a:rPr lang="zh-CN" altLang="en-US" sz="1400" b="1">
                 <a:solidFill>
                   <a:srgbClr val="2C3E50"/>
                 </a:solidFill>
               </a:rPr>
               <a:t>线程</a:t>
             </a:r>
-            <a:endParaRPr lang="zh-CN" altLang="" sz="1400" b="1">
+            <a:endParaRPr lang="zh-CN" altLang="en-US" sz="1400" b="1">
               <a:solidFill>
                 <a:srgbClr val="2C3E50"/>
               </a:solidFill>
@@ -4236,6 +4236,406 @@
         <p:nvPr/>
       </p:nvGrpSpPr>
       <p:grpSpPr/>
+      <p:sp>
+        <p:nvSpPr>
+          <p:cNvPr id="2" name="文本框 1"/>
+          <p:cNvSpPr txBox="true"/>
+          <p:nvPr/>
+        </p:nvSpPr>
+        <p:spPr>
+          <a:xfrm>
+            <a:off x="688340" y="851535"/>
+            <a:ext cx="2150110" cy="368300"/>
+          </a:xfrm>
+          <a:prstGeom prst="rect">
+            <a:avLst/>
+          </a:prstGeom>
+          <a:noFill/>
+        </p:spPr>
+        <p:txBody>
+          <a:bodyPr wrap="none" rtlCol="0">
+            <a:spAutoFit/>
+          </a:bodyPr>
+          <a:p>
+            <a:r>
+              <a:rPr lang="" altLang="zh-CN" b="1">
+                <a:solidFill>
+                  <a:srgbClr val="2C3E50"/>
+                </a:solidFill>
+              </a:rPr>
+              <a:t>GLIB</a:t>
+            </a:r>
+            <a:r>
+              <a:rPr lang="zh-CN" altLang="" b="1">
+                <a:solidFill>
+                  <a:srgbClr val="2C3E50"/>
+                </a:solidFill>
+              </a:rPr>
+              <a:t>事件循环机制</a:t>
+            </a:r>
+            <a:endParaRPr lang="zh-CN" altLang="" b="1">
+              <a:solidFill>
+                <a:srgbClr val="2C3E50"/>
+              </a:solidFill>
+            </a:endParaRPr>
+          </a:p>
+        </p:txBody>
+      </p:sp>
+      <p:sp>
+        <p:nvSpPr>
+          <p:cNvPr id="3" name="文本框 2"/>
+          <p:cNvSpPr txBox="true"/>
+          <p:nvPr/>
+        </p:nvSpPr>
+        <p:spPr>
+          <a:xfrm>
+            <a:off x="2460625" y="3321685"/>
+            <a:ext cx="1637030" cy="368300"/>
+          </a:xfrm>
+          <a:prstGeom prst="rect">
+            <a:avLst/>
+          </a:prstGeom>
+          <a:noFill/>
+        </p:spPr>
+        <p:txBody>
+          <a:bodyPr wrap="square" rtlCol="0" anchor="t">
+            <a:spAutoFit/>
+          </a:bodyPr>
+          <a:p>
+            <a:r>
+              <a:rPr lang="zh-CN" altLang="en-US" b="1">
+                <a:solidFill>
+                  <a:srgbClr val="2C3E50"/>
+                </a:solidFill>
+              </a:rPr>
+              <a:t>GMainLoop</a:t>
+            </a:r>
+            <a:endParaRPr lang="zh-CN" altLang="en-US" b="1">
+              <a:solidFill>
+                <a:srgbClr val="2C3E50"/>
+              </a:solidFill>
+            </a:endParaRPr>
+          </a:p>
+        </p:txBody>
+      </p:sp>
+      <p:sp>
+        <p:nvSpPr>
+          <p:cNvPr id="10" name="矩形 9"/>
+          <p:cNvSpPr/>
+          <p:nvPr/>
+        </p:nvSpPr>
+        <p:spPr>
+          <a:xfrm>
+            <a:off x="6721475" y="3321685"/>
+            <a:ext cx="1293495" cy="1529715"/>
+          </a:xfrm>
+          <a:prstGeom prst="rect">
+            <a:avLst/>
+          </a:prstGeom>
+          <a:noFill/>
+          <a:ln w="38100">
+            <a:solidFill>
+              <a:srgbClr val="2C3E50"/>
+            </a:solidFill>
+          </a:ln>
+          <a:extLst>
+            <a:ext uri="{909E8E84-426E-40DD-AFC4-6F175D3DCCD1}">
+              <a14:hiddenFill xmlns:a14="http://schemas.microsoft.com/office/drawing/2010/main">
+                <a:solidFill>
+                  <a:schemeClr val="accent1"/>
+                </a:solidFill>
+              </a14:hiddenFill>
+            </a:ext>
+          </a:extLst>
+        </p:spPr>
+        <p:style>
+          <a:lnRef idx="2">
+            <a:schemeClr val="accent1">
+              <a:shade val="50000"/>
+            </a:schemeClr>
+          </a:lnRef>
+          <a:fillRef idx="1">
+            <a:schemeClr val="accent1"/>
+          </a:fillRef>
+          <a:effectRef idx="0">
+            <a:schemeClr val="accent1"/>
+          </a:effectRef>
+          <a:fontRef idx="minor">
+            <a:schemeClr val="lt1"/>
+          </a:fontRef>
+        </p:style>
+        <p:txBody>
+          <a:bodyPr rtlCol="0" anchor="ctr"/>
+          <a:p>
+            <a:pPr algn="ctr"/>
+            <a:r>
+              <a:rPr lang="zh-CN" altLang="en-US" b="1">
+                <a:solidFill>
+                  <a:srgbClr val="2C3E50"/>
+                </a:solidFill>
+                <a:sym typeface="+mn-ea"/>
+              </a:rPr>
+              <a:t>GSource</a:t>
+            </a:r>
+            <a:endParaRPr lang="zh-CN" altLang="en-US" b="1">
+              <a:solidFill>
+                <a:srgbClr val="2C3E50"/>
+              </a:solidFill>
+              <a:sym typeface="+mn-ea"/>
+            </a:endParaRPr>
+          </a:p>
+          <a:p>
+            <a:pPr algn="ctr"/>
+            <a:endParaRPr lang="zh-CN" altLang="en-US" b="1">
+              <a:solidFill>
+                <a:srgbClr val="2C3E50"/>
+              </a:solidFill>
+              <a:sym typeface="+mn-ea"/>
+            </a:endParaRPr>
+          </a:p>
+          <a:p>
+            <a:pPr algn="ctr"/>
+            <a:r>
+              <a:rPr lang="" altLang="zh-CN" sz="1400" b="1">
+                <a:solidFill>
+                  <a:srgbClr val="2C3E50"/>
+                </a:solidFill>
+                <a:sym typeface="+mn-ea"/>
+              </a:rPr>
+              <a:t>idel</a:t>
+            </a:r>
+            <a:endParaRPr lang="" altLang="zh-CN" sz="1400" b="1">
+              <a:solidFill>
+                <a:srgbClr val="2C3E50"/>
+              </a:solidFill>
+              <a:sym typeface="+mn-ea"/>
+            </a:endParaRPr>
+          </a:p>
+          <a:p>
+            <a:pPr algn="ctr"/>
+            <a:r>
+              <a:rPr lang="" altLang="zh-CN" sz="1400" b="1">
+                <a:solidFill>
+                  <a:srgbClr val="2C3E50"/>
+                </a:solidFill>
+                <a:sym typeface="+mn-ea"/>
+              </a:rPr>
+              <a:t>I/O</a:t>
+            </a:r>
+            <a:endParaRPr lang="" altLang="zh-CN" sz="1400" b="1">
+              <a:solidFill>
+                <a:srgbClr val="2C3E50"/>
+              </a:solidFill>
+              <a:sym typeface="+mn-ea"/>
+            </a:endParaRPr>
+          </a:p>
+          <a:p>
+            <a:pPr algn="ctr"/>
+            <a:r>
+              <a:rPr lang="" altLang="zh-CN" sz="1400" b="1">
+                <a:solidFill>
+                  <a:srgbClr val="2C3E50"/>
+                </a:solidFill>
+                <a:sym typeface="+mn-ea"/>
+              </a:rPr>
+              <a:t>Timeout</a:t>
+            </a:r>
+            <a:endParaRPr lang="" altLang="zh-CN" sz="1400" b="1">
+              <a:solidFill>
+                <a:srgbClr val="2C3E50"/>
+              </a:solidFill>
+              <a:sym typeface="+mn-ea"/>
+            </a:endParaRPr>
+          </a:p>
+          <a:p>
+            <a:pPr algn="ctr"/>
+            <a:r>
+              <a:rPr lang="zh-CN" altLang="" sz="1400" b="1">
+                <a:solidFill>
+                  <a:srgbClr val="2C3E50"/>
+                </a:solidFill>
+                <a:sym typeface="+mn-ea"/>
+              </a:rPr>
+              <a:t>自定义事件</a:t>
+            </a:r>
+            <a:endParaRPr lang="zh-CN" altLang="" sz="1400" b="1">
+              <a:solidFill>
+                <a:srgbClr val="2C3E50"/>
+              </a:solidFill>
+              <a:sym typeface="+mn-ea"/>
+            </a:endParaRPr>
+          </a:p>
+        </p:txBody>
+      </p:sp>
+      <p:sp>
+        <p:nvSpPr>
+          <p:cNvPr id="11" name="矩形 10"/>
+          <p:cNvSpPr/>
+          <p:nvPr/>
+        </p:nvSpPr>
+        <p:spPr>
+          <a:xfrm>
+            <a:off x="6241415" y="2446655"/>
+            <a:ext cx="2252980" cy="2682875"/>
+          </a:xfrm>
+          <a:prstGeom prst="rect">
+            <a:avLst/>
+          </a:prstGeom>
+          <a:noFill/>
+          <a:ln w="38100">
+            <a:solidFill>
+              <a:srgbClr val="2C3E50"/>
+            </a:solidFill>
+          </a:ln>
+          <a:extLst>
+            <a:ext uri="{909E8E84-426E-40DD-AFC4-6F175D3DCCD1}">
+              <a14:hiddenFill xmlns:a14="http://schemas.microsoft.com/office/drawing/2010/main">
+                <a:solidFill>
+                  <a:schemeClr val="accent1"/>
+                </a:solidFill>
+              </a14:hiddenFill>
+            </a:ext>
+          </a:extLst>
+        </p:spPr>
+        <p:style>
+          <a:lnRef idx="2">
+            <a:schemeClr val="accent1">
+              <a:shade val="50000"/>
+            </a:schemeClr>
+          </a:lnRef>
+          <a:fillRef idx="1">
+            <a:schemeClr val="accent1"/>
+          </a:fillRef>
+          <a:effectRef idx="0">
+            <a:schemeClr val="accent1"/>
+          </a:effectRef>
+          <a:fontRef idx="minor">
+            <a:schemeClr val="lt1"/>
+          </a:fontRef>
+        </p:style>
+        <p:txBody>
+          <a:bodyPr rtlCol="0" anchor="t" anchorCtr="false"/>
+          <a:p>
+            <a:pPr algn="ctr"/>
+            <a:endParaRPr lang="zh-CN" altLang="en-US" sz="1400" b="1">
+              <a:solidFill>
+                <a:srgbClr val="2C3E50"/>
+              </a:solidFill>
+              <a:sym typeface="+mn-ea"/>
+            </a:endParaRPr>
+          </a:p>
+          <a:p>
+            <a:pPr algn="ctr"/>
+            <a:r>
+              <a:rPr lang="zh-CN" altLang="en-US" sz="1400" b="1">
+                <a:solidFill>
+                  <a:srgbClr val="2C3E50"/>
+                </a:solidFill>
+                <a:sym typeface="+mn-ea"/>
+              </a:rPr>
+              <a:t>GMainContext</a:t>
+            </a:r>
+            <a:endParaRPr lang="zh-CN" altLang="en-US" sz="1400" b="1">
+              <a:solidFill>
+                <a:srgbClr val="2C3E50"/>
+              </a:solidFill>
+              <a:sym typeface="+mn-ea"/>
+            </a:endParaRPr>
+          </a:p>
+          <a:p>
+            <a:pPr algn="ctr"/>
+            <a:endParaRPr lang="zh-CN" altLang="en-US" sz="1400" b="1">
+              <a:solidFill>
+                <a:srgbClr val="2C3E50"/>
+              </a:solidFill>
+              <a:sym typeface="+mn-ea"/>
+            </a:endParaRPr>
+          </a:p>
+        </p:txBody>
+      </p:sp>
+      <p:cxnSp>
+        <p:nvCxnSpPr>
+          <p:cNvPr id="12" name="肘形连接符 11"/>
+          <p:cNvCxnSpPr>
+            <a:stCxn id="3" idx="0"/>
+            <a:endCxn id="11" idx="0"/>
+          </p:cNvCxnSpPr>
+          <p:nvPr/>
+        </p:nvCxnSpPr>
+        <p:spPr>
+          <a:xfrm rot="16200000">
+            <a:off x="4886008" y="839788"/>
+            <a:ext cx="875030" cy="4088765"/>
+          </a:xfrm>
+          <a:prstGeom prst="bentConnector3">
+            <a:avLst>
+              <a:gd name="adj1" fmla="val 127250"/>
+            </a:avLst>
+          </a:prstGeom>
+          <a:ln w="38100">
+            <a:solidFill>
+              <a:srgbClr val="3EAF7C"/>
+            </a:solidFill>
+            <a:headEnd type="arrow"/>
+            <a:tailEnd type="arrow"/>
+          </a:ln>
+        </p:spPr>
+        <p:style>
+          <a:lnRef idx="1">
+            <a:schemeClr val="accent1"/>
+          </a:lnRef>
+          <a:fillRef idx="0">
+            <a:schemeClr val="accent1"/>
+          </a:fillRef>
+          <a:effectRef idx="0">
+            <a:schemeClr val="accent1"/>
+          </a:effectRef>
+          <a:fontRef idx="minor">
+            <a:schemeClr val="tx1"/>
+          </a:fontRef>
+        </p:style>
+      </p:cxnSp>
+      <p:cxnSp>
+        <p:nvCxnSpPr>
+          <p:cNvPr id="13" name="肘形连接符 12"/>
+          <p:cNvCxnSpPr>
+            <a:stCxn id="11" idx="2"/>
+            <a:endCxn id="3" idx="2"/>
+          </p:cNvCxnSpPr>
+          <p:nvPr/>
+        </p:nvCxnSpPr>
+        <p:spPr>
+          <a:xfrm rot="5400000" flipH="true">
+            <a:off x="4603750" y="2365375"/>
+            <a:ext cx="1439545" cy="4088765"/>
+          </a:xfrm>
+          <a:prstGeom prst="bentConnector3">
+            <a:avLst>
+              <a:gd name="adj1" fmla="val -16542"/>
+            </a:avLst>
+          </a:prstGeom>
+          <a:ln w="38100">
+            <a:solidFill>
+              <a:srgbClr val="3EAF7C"/>
+            </a:solidFill>
+            <a:tailEnd type="arrow"/>
+          </a:ln>
+        </p:spPr>
+        <p:style>
+          <a:lnRef idx="1">
+            <a:schemeClr val="accent1"/>
+          </a:lnRef>
+          <a:fillRef idx="0">
+            <a:schemeClr val="accent1"/>
+          </a:fillRef>
+          <a:effectRef idx="0">
+            <a:schemeClr val="accent1"/>
+          </a:effectRef>
+          <a:fontRef idx="minor">
+            <a:schemeClr val="tx1"/>
+          </a:fontRef>
+        </p:style>
+      </p:cxnSp>
     </p:spTree>
   </p:cSld>
   <p:clrMapOvr>
@@ -4254,6 +4654,1065 @@
         <p:nvPr/>
       </p:nvGrpSpPr>
       <p:grpSpPr/>
+      <p:sp>
+        <p:nvSpPr>
+          <p:cNvPr id="2" name="文本框 1"/>
+          <p:cNvSpPr txBox="true"/>
+          <p:nvPr/>
+        </p:nvSpPr>
+        <p:spPr>
+          <a:xfrm>
+            <a:off x="688340" y="851535"/>
+            <a:ext cx="2837815" cy="368300"/>
+          </a:xfrm>
+          <a:prstGeom prst="rect">
+            <a:avLst/>
+          </a:prstGeom>
+          <a:noFill/>
+        </p:spPr>
+        <p:txBody>
+          <a:bodyPr wrap="none" rtlCol="0">
+            <a:spAutoFit/>
+          </a:bodyPr>
+          <a:p>
+            <a:r>
+              <a:rPr lang="en-US" altLang="zh-CN" b="1">
+                <a:solidFill>
+                  <a:srgbClr val="2C3E50"/>
+                </a:solidFill>
+              </a:rPr>
+              <a:t>GLIB</a:t>
+            </a:r>
+            <a:r>
+              <a:rPr lang="zh-CN" altLang="en-US" b="1">
+                <a:solidFill>
+                  <a:srgbClr val="2C3E50"/>
+                </a:solidFill>
+              </a:rPr>
+              <a:t>事件循环机制状态图</a:t>
+            </a:r>
+            <a:endParaRPr lang="zh-CN" altLang="en-US" b="1">
+              <a:solidFill>
+                <a:srgbClr val="2C3E50"/>
+              </a:solidFill>
+            </a:endParaRPr>
+          </a:p>
+        </p:txBody>
+      </p:sp>
+      <p:grpSp>
+        <p:nvGrpSpPr>
+          <p:cNvPr id="5" name="组合 4"/>
+          <p:cNvGrpSpPr/>
+          <p:nvPr/>
+        </p:nvGrpSpPr>
+        <p:grpSpPr>
+          <a:xfrm>
+            <a:off x="2990850" y="4577715"/>
+            <a:ext cx="1236345" cy="1224280"/>
+            <a:chOff x="5312" y="2711"/>
+            <a:chExt cx="1947" cy="1928"/>
+          </a:xfrm>
+        </p:grpSpPr>
+        <p:sp>
+          <p:nvSpPr>
+            <p:cNvPr id="3" name="椭圆 2"/>
+            <p:cNvSpPr/>
+            <p:nvPr/>
+          </p:nvSpPr>
+          <p:spPr>
+            <a:xfrm>
+              <a:off x="5333" y="2711"/>
+              <a:ext cx="1905" cy="1928"/>
+            </a:xfrm>
+            <a:prstGeom prst="ellipse">
+              <a:avLst/>
+            </a:prstGeom>
+            <a:noFill/>
+            <a:ln w="38100">
+              <a:solidFill>
+                <a:srgbClr val="2C3E50"/>
+              </a:solidFill>
+            </a:ln>
+            <a:extLst>
+              <a:ext uri="{909E8E84-426E-40DD-AFC4-6F175D3DCCD1}">
+                <a14:hiddenFill xmlns:a14="http://schemas.microsoft.com/office/drawing/2010/main">
+                  <a:solidFill>
+                    <a:srgbClr val="2C3E50"/>
+                  </a:solidFill>
+                </a14:hiddenFill>
+              </a:ext>
+            </a:extLst>
+          </p:spPr>
+          <p:style>
+            <a:lnRef idx="2">
+              <a:schemeClr val="accent1">
+                <a:shade val="50000"/>
+              </a:schemeClr>
+            </a:lnRef>
+            <a:fillRef idx="1">
+              <a:schemeClr val="accent1"/>
+            </a:fillRef>
+            <a:effectRef idx="0">
+              <a:schemeClr val="accent1"/>
+            </a:effectRef>
+            <a:fontRef idx="minor">
+              <a:schemeClr val="lt1"/>
+            </a:fontRef>
+          </p:style>
+          <p:txBody>
+            <a:bodyPr rtlCol="0" anchor="ctr"/>
+            <a:p>
+              <a:pPr algn="ctr"/>
+              <a:endParaRPr lang="" altLang="zh-CN" sz="1200" b="1">
+                <a:solidFill>
+                  <a:srgbClr val="2C3E50"/>
+                </a:solidFill>
+              </a:endParaRPr>
+            </a:p>
+          </p:txBody>
+        </p:sp>
+        <p:sp>
+          <p:nvSpPr>
+            <p:cNvPr id="4" name="文本框 3"/>
+            <p:cNvSpPr txBox="true"/>
+            <p:nvPr/>
+          </p:nvSpPr>
+          <p:spPr>
+            <a:xfrm>
+              <a:off x="5312" y="3410"/>
+              <a:ext cx="1947" cy="531"/>
+            </a:xfrm>
+            <a:prstGeom prst="rect">
+              <a:avLst/>
+            </a:prstGeom>
+            <a:noFill/>
+          </p:spPr>
+          <p:txBody>
+            <a:bodyPr wrap="none" rtlCol="0">
+              <a:spAutoFit/>
+            </a:bodyPr>
+            <a:p>
+              <a:r>
+                <a:rPr lang="" altLang="zh-CN" sz="1600" b="1">
+                  <a:solidFill>
+                    <a:srgbClr val="2C3E50"/>
+                  </a:solidFill>
+                </a:rPr>
+                <a:t>Prepared</a:t>
+              </a:r>
+              <a:endParaRPr lang="" altLang="zh-CN" sz="1600" b="1">
+                <a:solidFill>
+                  <a:srgbClr val="2C3E50"/>
+                </a:solidFill>
+              </a:endParaRPr>
+            </a:p>
+          </p:txBody>
+        </p:sp>
+      </p:grpSp>
+      <p:grpSp>
+        <p:nvGrpSpPr>
+          <p:cNvPr id="6" name="组合 5"/>
+          <p:cNvGrpSpPr/>
+          <p:nvPr/>
+        </p:nvGrpSpPr>
+        <p:grpSpPr>
+          <a:xfrm>
+            <a:off x="7286625" y="1845310"/>
+            <a:ext cx="1256030" cy="1224280"/>
+            <a:chOff x="5333" y="2711"/>
+            <a:chExt cx="1978" cy="1928"/>
+          </a:xfrm>
+        </p:grpSpPr>
+        <p:sp>
+          <p:nvSpPr>
+            <p:cNvPr id="7" name="椭圆 6"/>
+            <p:cNvSpPr/>
+            <p:nvPr/>
+          </p:nvSpPr>
+          <p:spPr>
+            <a:xfrm>
+              <a:off x="5333" y="2711"/>
+              <a:ext cx="1905" cy="1928"/>
+            </a:xfrm>
+            <a:prstGeom prst="ellipse">
+              <a:avLst/>
+            </a:prstGeom>
+            <a:noFill/>
+            <a:ln w="38100">
+              <a:solidFill>
+                <a:srgbClr val="2C3E50"/>
+              </a:solidFill>
+            </a:ln>
+            <a:extLst>
+              <a:ext uri="{909E8E84-426E-40DD-AFC4-6F175D3DCCD1}">
+                <a14:hiddenFill xmlns:a14="http://schemas.microsoft.com/office/drawing/2010/main">
+                  <a:solidFill>
+                    <a:srgbClr val="2C3E50"/>
+                  </a:solidFill>
+                </a14:hiddenFill>
+              </a:ext>
+            </a:extLst>
+          </p:spPr>
+          <p:style>
+            <a:lnRef idx="2">
+              <a:schemeClr val="accent1">
+                <a:shade val="50000"/>
+              </a:schemeClr>
+            </a:lnRef>
+            <a:fillRef idx="1">
+              <a:schemeClr val="accent1"/>
+            </a:fillRef>
+            <a:effectRef idx="0">
+              <a:schemeClr val="accent1"/>
+            </a:effectRef>
+            <a:fontRef idx="minor">
+              <a:schemeClr val="lt1"/>
+            </a:fontRef>
+          </p:style>
+          <p:txBody>
+            <a:bodyPr rtlCol="0" anchor="ctr"/>
+            <a:p>
+              <a:pPr algn="ctr"/>
+              <a:endParaRPr lang="en-US" altLang="zh-CN" sz="1200" b="1">
+                <a:solidFill>
+                  <a:srgbClr val="2C3E50"/>
+                </a:solidFill>
+              </a:endParaRPr>
+            </a:p>
+          </p:txBody>
+        </p:sp>
+        <p:sp>
+          <p:nvSpPr>
+            <p:cNvPr id="8" name="文本框 7"/>
+            <p:cNvSpPr txBox="true"/>
+            <p:nvPr/>
+          </p:nvSpPr>
+          <p:spPr>
+            <a:xfrm>
+              <a:off x="5441" y="3385"/>
+              <a:ext cx="1870" cy="531"/>
+            </a:xfrm>
+            <a:prstGeom prst="rect">
+              <a:avLst/>
+            </a:prstGeom>
+            <a:noFill/>
+          </p:spPr>
+          <p:txBody>
+            <a:bodyPr wrap="none" rtlCol="0">
+              <a:spAutoFit/>
+            </a:bodyPr>
+            <a:p>
+              <a:r>
+                <a:rPr lang="" altLang="en-US" sz="1600" b="1">
+                  <a:solidFill>
+                    <a:srgbClr val="2C3E50"/>
+                  </a:solidFill>
+                </a:rPr>
+                <a:t>Dispatch</a:t>
+              </a:r>
+              <a:endParaRPr lang="" altLang="en-US" sz="1600" b="1">
+                <a:solidFill>
+                  <a:srgbClr val="2C3E50"/>
+                </a:solidFill>
+              </a:endParaRPr>
+            </a:p>
+          </p:txBody>
+        </p:sp>
+      </p:grpSp>
+      <p:grpSp>
+        <p:nvGrpSpPr>
+          <p:cNvPr id="9" name="组合 8"/>
+          <p:cNvGrpSpPr/>
+          <p:nvPr/>
+        </p:nvGrpSpPr>
+        <p:grpSpPr>
+          <a:xfrm>
+            <a:off x="7286625" y="4537075"/>
+            <a:ext cx="1209675" cy="1224280"/>
+            <a:chOff x="5333" y="2711"/>
+            <a:chExt cx="1905" cy="1928"/>
+          </a:xfrm>
+        </p:grpSpPr>
+        <p:sp>
+          <p:nvSpPr>
+            <p:cNvPr id="10" name="椭圆 9"/>
+            <p:cNvSpPr/>
+            <p:nvPr/>
+          </p:nvSpPr>
+          <p:spPr>
+            <a:xfrm>
+              <a:off x="5333" y="2711"/>
+              <a:ext cx="1905" cy="1928"/>
+            </a:xfrm>
+            <a:prstGeom prst="ellipse">
+              <a:avLst/>
+            </a:prstGeom>
+            <a:noFill/>
+            <a:ln w="38100">
+              <a:solidFill>
+                <a:srgbClr val="2C3E50"/>
+              </a:solidFill>
+            </a:ln>
+            <a:extLst>
+              <a:ext uri="{909E8E84-426E-40DD-AFC4-6F175D3DCCD1}">
+                <a14:hiddenFill xmlns:a14="http://schemas.microsoft.com/office/drawing/2010/main">
+                  <a:solidFill>
+                    <a:srgbClr val="2C3E50"/>
+                  </a:solidFill>
+                </a14:hiddenFill>
+              </a:ext>
+            </a:extLst>
+          </p:spPr>
+          <p:style>
+            <a:lnRef idx="2">
+              <a:schemeClr val="accent1">
+                <a:shade val="50000"/>
+              </a:schemeClr>
+            </a:lnRef>
+            <a:fillRef idx="1">
+              <a:schemeClr val="accent1"/>
+            </a:fillRef>
+            <a:effectRef idx="0">
+              <a:schemeClr val="accent1"/>
+            </a:effectRef>
+            <a:fontRef idx="minor">
+              <a:schemeClr val="lt1"/>
+            </a:fontRef>
+          </p:style>
+          <p:txBody>
+            <a:bodyPr rtlCol="0" anchor="ctr"/>
+            <a:p>
+              <a:pPr algn="ctr"/>
+              <a:endParaRPr lang="en-US" altLang="zh-CN" sz="1200" b="1">
+                <a:solidFill>
+                  <a:srgbClr val="2C3E50"/>
+                </a:solidFill>
+              </a:endParaRPr>
+            </a:p>
+          </p:txBody>
+        </p:sp>
+        <p:sp>
+          <p:nvSpPr>
+            <p:cNvPr id="11" name="文本框 10"/>
+            <p:cNvSpPr txBox="true"/>
+            <p:nvPr/>
+          </p:nvSpPr>
+          <p:spPr>
+            <a:xfrm>
+              <a:off x="5520" y="3410"/>
+              <a:ext cx="1530" cy="531"/>
+            </a:xfrm>
+            <a:prstGeom prst="rect">
+              <a:avLst/>
+            </a:prstGeom>
+            <a:noFill/>
+          </p:spPr>
+          <p:txBody>
+            <a:bodyPr wrap="none" rtlCol="0">
+              <a:spAutoFit/>
+            </a:bodyPr>
+            <a:p>
+              <a:r>
+                <a:rPr lang="" altLang="en-US" sz="1600" b="1">
+                  <a:solidFill>
+                    <a:srgbClr val="2C3E50"/>
+                  </a:solidFill>
+                </a:rPr>
+                <a:t>Polling</a:t>
+              </a:r>
+              <a:endParaRPr lang="" altLang="en-US" sz="1600" b="1">
+                <a:solidFill>
+                  <a:srgbClr val="2C3E50"/>
+                </a:solidFill>
+              </a:endParaRPr>
+            </a:p>
+          </p:txBody>
+        </p:sp>
+      </p:grpSp>
+      <p:grpSp>
+        <p:nvGrpSpPr>
+          <p:cNvPr id="12" name="组合 11"/>
+          <p:cNvGrpSpPr/>
+          <p:nvPr/>
+        </p:nvGrpSpPr>
+        <p:grpSpPr>
+          <a:xfrm>
+            <a:off x="2990850" y="1809750"/>
+            <a:ext cx="1209675" cy="1224280"/>
+            <a:chOff x="5333" y="2711"/>
+            <a:chExt cx="1905" cy="1928"/>
+          </a:xfrm>
+        </p:grpSpPr>
+        <p:sp>
+          <p:nvSpPr>
+            <p:cNvPr id="13" name="椭圆 12"/>
+            <p:cNvSpPr/>
+            <p:nvPr/>
+          </p:nvSpPr>
+          <p:spPr>
+            <a:xfrm>
+              <a:off x="5333" y="2711"/>
+              <a:ext cx="1905" cy="1928"/>
+            </a:xfrm>
+            <a:prstGeom prst="ellipse">
+              <a:avLst/>
+            </a:prstGeom>
+            <a:noFill/>
+            <a:ln w="38100">
+              <a:solidFill>
+                <a:srgbClr val="2C3E50"/>
+              </a:solidFill>
+            </a:ln>
+            <a:extLst>
+              <a:ext uri="{909E8E84-426E-40DD-AFC4-6F175D3DCCD1}">
+                <a14:hiddenFill xmlns:a14="http://schemas.microsoft.com/office/drawing/2010/main">
+                  <a:solidFill>
+                    <a:srgbClr val="2C3E50"/>
+                  </a:solidFill>
+                </a14:hiddenFill>
+              </a:ext>
+            </a:extLst>
+          </p:spPr>
+          <p:style>
+            <a:lnRef idx="2">
+              <a:schemeClr val="accent1">
+                <a:shade val="50000"/>
+              </a:schemeClr>
+            </a:lnRef>
+            <a:fillRef idx="1">
+              <a:schemeClr val="accent1"/>
+            </a:fillRef>
+            <a:effectRef idx="0">
+              <a:schemeClr val="accent1"/>
+            </a:effectRef>
+            <a:fontRef idx="minor">
+              <a:schemeClr val="lt1"/>
+            </a:fontRef>
+          </p:style>
+          <p:txBody>
+            <a:bodyPr rtlCol="0" anchor="ctr"/>
+            <a:p>
+              <a:pPr algn="ctr"/>
+              <a:endParaRPr lang="en-US" altLang="zh-CN" sz="1200" b="1">
+                <a:solidFill>
+                  <a:srgbClr val="2C3E50"/>
+                </a:solidFill>
+              </a:endParaRPr>
+            </a:p>
+          </p:txBody>
+        </p:sp>
+        <p:sp>
+          <p:nvSpPr>
+            <p:cNvPr id="14" name="文本框 13"/>
+            <p:cNvSpPr txBox="true"/>
+            <p:nvPr/>
+          </p:nvSpPr>
+          <p:spPr>
+            <a:xfrm>
+              <a:off x="5384" y="3410"/>
+              <a:ext cx="1854" cy="531"/>
+            </a:xfrm>
+            <a:prstGeom prst="rect">
+              <a:avLst/>
+            </a:prstGeom>
+            <a:noFill/>
+          </p:spPr>
+          <p:txBody>
+            <a:bodyPr wrap="none" rtlCol="0">
+              <a:spAutoFit/>
+            </a:bodyPr>
+            <a:p>
+              <a:r>
+                <a:rPr lang="" altLang="en-US" sz="1600" b="1">
+                  <a:solidFill>
+                    <a:srgbClr val="2C3E50"/>
+                  </a:solidFill>
+                </a:rPr>
+                <a:t>Initial[n]</a:t>
+              </a:r>
+              <a:endParaRPr lang="" altLang="en-US" sz="1600" b="1">
+                <a:solidFill>
+                  <a:srgbClr val="2C3E50"/>
+                </a:solidFill>
+              </a:endParaRPr>
+            </a:p>
+          </p:txBody>
+        </p:sp>
+      </p:grpSp>
+      <p:sp>
+        <p:nvSpPr>
+          <p:cNvPr id="21" name="文本框 20"/>
+          <p:cNvSpPr txBox="true"/>
+          <p:nvPr/>
+        </p:nvSpPr>
+        <p:spPr>
+          <a:xfrm>
+            <a:off x="1724660" y="3576320"/>
+            <a:ext cx="1801495" cy="306705"/>
+          </a:xfrm>
+          <a:prstGeom prst="rect">
+            <a:avLst/>
+          </a:prstGeom>
+          <a:noFill/>
+        </p:spPr>
+        <p:txBody>
+          <a:bodyPr wrap="none" rtlCol="0">
+            <a:spAutoFit/>
+          </a:bodyPr>
+          <a:p>
+            <a:r>
+              <a:rPr lang="" altLang="zh-CN" sz="1400" b="1">
+                <a:solidFill>
+                  <a:srgbClr val="2C3E50"/>
+                </a:solidFill>
+              </a:rPr>
+              <a:t>prepare()/FALSE</a:t>
+            </a:r>
+            <a:endParaRPr lang="" altLang="zh-CN" sz="1400" b="1">
+              <a:solidFill>
+                <a:srgbClr val="2C3E50"/>
+              </a:solidFill>
+            </a:endParaRPr>
+          </a:p>
+        </p:txBody>
+      </p:sp>
+      <p:sp>
+        <p:nvSpPr>
+          <p:cNvPr id="23" name="文本框 22"/>
+          <p:cNvSpPr txBox="true"/>
+          <p:nvPr/>
+        </p:nvSpPr>
+        <p:spPr>
+          <a:xfrm>
+            <a:off x="5288915" y="4778375"/>
+            <a:ext cx="923290" cy="306705"/>
+          </a:xfrm>
+          <a:prstGeom prst="rect">
+            <a:avLst/>
+          </a:prstGeom>
+          <a:noFill/>
+        </p:spPr>
+        <p:txBody>
+          <a:bodyPr wrap="none" rtlCol="0">
+            <a:spAutoFit/>
+          </a:bodyPr>
+          <a:p>
+            <a:r>
+              <a:rPr lang="" altLang="en-US" sz="1400" b="1">
+                <a:solidFill>
+                  <a:srgbClr val="2C3E50"/>
+                </a:solidFill>
+              </a:rPr>
+              <a:t>query</a:t>
+            </a:r>
+            <a:r>
+              <a:rPr lang="en-US" altLang="zh-CN" sz="1400" b="1">
+                <a:solidFill>
+                  <a:srgbClr val="2C3E50"/>
+                </a:solidFill>
+              </a:rPr>
+              <a:t>()</a:t>
+            </a:r>
+            <a:endParaRPr lang="en-US" altLang="zh-CN" sz="1400" b="1">
+              <a:solidFill>
+                <a:srgbClr val="2C3E50"/>
+              </a:solidFill>
+            </a:endParaRPr>
+          </a:p>
+        </p:txBody>
+      </p:sp>
+      <p:cxnSp>
+        <p:nvCxnSpPr>
+          <p:cNvPr id="26" name="直接箭头连接符 25"/>
+          <p:cNvCxnSpPr>
+            <a:stCxn id="13" idx="4"/>
+            <a:endCxn id="3" idx="0"/>
+          </p:cNvCxnSpPr>
+          <p:nvPr/>
+        </p:nvCxnSpPr>
+        <p:spPr>
+          <a:xfrm>
+            <a:off x="3596005" y="3034030"/>
+            <a:ext cx="13335" cy="1543685"/>
+          </a:xfrm>
+          <a:prstGeom prst="straightConnector1">
+            <a:avLst/>
+          </a:prstGeom>
+          <a:ln w="38100">
+            <a:solidFill>
+              <a:srgbClr val="3EAF7C"/>
+            </a:solidFill>
+            <a:tailEnd type="arrow"/>
+          </a:ln>
+        </p:spPr>
+        <p:style>
+          <a:lnRef idx="1">
+            <a:schemeClr val="accent1"/>
+          </a:lnRef>
+          <a:fillRef idx="0">
+            <a:schemeClr val="accent1"/>
+          </a:fillRef>
+          <a:effectRef idx="0">
+            <a:schemeClr val="accent1"/>
+          </a:effectRef>
+          <a:fontRef idx="minor">
+            <a:schemeClr val="tx1"/>
+          </a:fontRef>
+        </p:style>
+      </p:cxnSp>
+      <p:cxnSp>
+        <p:nvCxnSpPr>
+          <p:cNvPr id="27" name="直接箭头连接符 26"/>
+          <p:cNvCxnSpPr>
+            <a:stCxn id="4" idx="3"/>
+          </p:cNvCxnSpPr>
+          <p:nvPr/>
+        </p:nvCxnSpPr>
+        <p:spPr>
+          <a:xfrm flipV="true">
+            <a:off x="4227195" y="5165725"/>
+            <a:ext cx="3054985" cy="24765"/>
+          </a:xfrm>
+          <a:prstGeom prst="straightConnector1">
+            <a:avLst/>
+          </a:prstGeom>
+          <a:ln w="38100">
+            <a:solidFill>
+              <a:srgbClr val="3EAF7C"/>
+            </a:solidFill>
+            <a:tailEnd type="arrow"/>
+          </a:ln>
+        </p:spPr>
+        <p:style>
+          <a:lnRef idx="1">
+            <a:schemeClr val="accent1"/>
+          </a:lnRef>
+          <a:fillRef idx="0">
+            <a:schemeClr val="accent1"/>
+          </a:fillRef>
+          <a:effectRef idx="0">
+            <a:schemeClr val="accent1"/>
+          </a:effectRef>
+          <a:fontRef idx="minor">
+            <a:schemeClr val="tx1"/>
+          </a:fontRef>
+        </p:style>
+      </p:cxnSp>
+      <p:cxnSp>
+        <p:nvCxnSpPr>
+          <p:cNvPr id="28" name="直接箭头连接符 27"/>
+          <p:cNvCxnSpPr>
+            <a:stCxn id="10" idx="0"/>
+            <a:endCxn id="7" idx="4"/>
+          </p:cNvCxnSpPr>
+          <p:nvPr/>
+        </p:nvCxnSpPr>
+        <p:spPr>
+          <a:xfrm flipV="true">
+            <a:off x="7891780" y="3069590"/>
+            <a:ext cx="0" cy="1467485"/>
+          </a:xfrm>
+          <a:prstGeom prst="straightConnector1">
+            <a:avLst/>
+          </a:prstGeom>
+          <a:ln w="38100">
+            <a:solidFill>
+              <a:srgbClr val="3EAF7C"/>
+            </a:solidFill>
+            <a:tailEnd type="arrow"/>
+          </a:ln>
+        </p:spPr>
+        <p:style>
+          <a:lnRef idx="1">
+            <a:schemeClr val="accent1"/>
+          </a:lnRef>
+          <a:fillRef idx="0">
+            <a:schemeClr val="accent1"/>
+          </a:fillRef>
+          <a:effectRef idx="0">
+            <a:schemeClr val="accent1"/>
+          </a:effectRef>
+          <a:fontRef idx="minor">
+            <a:schemeClr val="tx1"/>
+          </a:fontRef>
+        </p:style>
+      </p:cxnSp>
+      <p:cxnSp>
+        <p:nvCxnSpPr>
+          <p:cNvPr id="29" name="直接箭头连接符 28"/>
+          <p:cNvCxnSpPr>
+            <a:stCxn id="8" idx="1"/>
+            <a:endCxn id="14" idx="3"/>
+          </p:cNvCxnSpPr>
+          <p:nvPr/>
+        </p:nvCxnSpPr>
+        <p:spPr>
+          <a:xfrm flipH="true" flipV="true">
+            <a:off x="4200525" y="2422525"/>
+            <a:ext cx="3154680" cy="19685"/>
+          </a:xfrm>
+          <a:prstGeom prst="straightConnector1">
+            <a:avLst/>
+          </a:prstGeom>
+          <a:ln w="38100">
+            <a:solidFill>
+              <a:srgbClr val="3EAF7C"/>
+            </a:solidFill>
+            <a:tailEnd type="arrow"/>
+          </a:ln>
+        </p:spPr>
+        <p:style>
+          <a:lnRef idx="1">
+            <a:schemeClr val="accent1"/>
+          </a:lnRef>
+          <a:fillRef idx="0">
+            <a:schemeClr val="accent1"/>
+          </a:fillRef>
+          <a:effectRef idx="0">
+            <a:schemeClr val="accent1"/>
+          </a:effectRef>
+          <a:fontRef idx="minor">
+            <a:schemeClr val="tx1"/>
+          </a:fontRef>
+        </p:style>
+      </p:cxnSp>
+      <p:sp>
+        <p:nvSpPr>
+          <p:cNvPr id="31" name="文本框 30"/>
+          <p:cNvSpPr txBox="true"/>
+          <p:nvPr/>
+        </p:nvSpPr>
+        <p:spPr>
+          <a:xfrm>
+            <a:off x="8053070" y="3576320"/>
+            <a:ext cx="1510030" cy="306705"/>
+          </a:xfrm>
+          <a:prstGeom prst="rect">
+            <a:avLst/>
+          </a:prstGeom>
+          <a:noFill/>
+        </p:spPr>
+        <p:txBody>
+          <a:bodyPr wrap="none" rtlCol="0">
+            <a:spAutoFit/>
+          </a:bodyPr>
+          <a:p>
+            <a:r>
+              <a:rPr lang="" altLang="en-US" sz="1400" b="1">
+                <a:solidFill>
+                  <a:srgbClr val="2C3E50"/>
+                </a:solidFill>
+              </a:rPr>
+              <a:t>check</a:t>
+            </a:r>
+            <a:r>
+              <a:rPr lang="en-US" altLang="zh-CN" sz="1400" b="1">
+                <a:solidFill>
+                  <a:srgbClr val="2C3E50"/>
+                </a:solidFill>
+              </a:rPr>
+              <a:t>()</a:t>
+            </a:r>
+            <a:r>
+              <a:rPr lang="" altLang="en-US" sz="1400" b="1">
+                <a:solidFill>
+                  <a:srgbClr val="2C3E50"/>
+                </a:solidFill>
+              </a:rPr>
+              <a:t>/TRUE</a:t>
+            </a:r>
+            <a:endParaRPr lang="" altLang="en-US" sz="1400" b="1">
+              <a:solidFill>
+                <a:srgbClr val="2C3E50"/>
+              </a:solidFill>
+            </a:endParaRPr>
+          </a:p>
+        </p:txBody>
+      </p:sp>
+      <p:sp>
+        <p:nvSpPr>
+          <p:cNvPr id="32" name="文本框 31"/>
+          <p:cNvSpPr txBox="true"/>
+          <p:nvPr/>
+        </p:nvSpPr>
+        <p:spPr>
+          <a:xfrm>
+            <a:off x="5176520" y="2059305"/>
+            <a:ext cx="1203325" cy="306705"/>
+          </a:xfrm>
+          <a:prstGeom prst="rect">
+            <a:avLst/>
+          </a:prstGeom>
+          <a:noFill/>
+        </p:spPr>
+        <p:txBody>
+          <a:bodyPr wrap="none" rtlCol="0">
+            <a:spAutoFit/>
+          </a:bodyPr>
+          <a:p>
+            <a:r>
+              <a:rPr lang="" altLang="en-US" sz="1400" b="1">
+                <a:solidFill>
+                  <a:srgbClr val="2C3E50"/>
+                </a:solidFill>
+              </a:rPr>
+              <a:t>dispatch</a:t>
+            </a:r>
+            <a:r>
+              <a:rPr lang="en-US" altLang="zh-CN" sz="1400" b="1">
+                <a:solidFill>
+                  <a:srgbClr val="2C3E50"/>
+                </a:solidFill>
+              </a:rPr>
+              <a:t>()</a:t>
+            </a:r>
+            <a:endParaRPr lang="en-US" altLang="zh-CN" sz="1400" b="1">
+              <a:solidFill>
+                <a:srgbClr val="2C3E50"/>
+              </a:solidFill>
+            </a:endParaRPr>
+          </a:p>
+        </p:txBody>
+      </p:sp>
+      <p:sp>
+        <p:nvSpPr>
+          <p:cNvPr id="33" name="文本框 32"/>
+          <p:cNvSpPr txBox="true"/>
+          <p:nvPr/>
+        </p:nvSpPr>
+        <p:spPr>
+          <a:xfrm>
+            <a:off x="2259965" y="3883025"/>
+            <a:ext cx="1266190" cy="213995"/>
+          </a:xfrm>
+          <a:prstGeom prst="rect">
+            <a:avLst/>
+          </a:prstGeom>
+          <a:noFill/>
+        </p:spPr>
+        <p:txBody>
+          <a:bodyPr wrap="none" rtlCol="0">
+            <a:spAutoFit/>
+          </a:bodyPr>
+          <a:p>
+            <a:r>
+              <a:rPr lang="zh-CN" altLang="" sz="800" b="1">
+                <a:solidFill>
+                  <a:srgbClr val="2C3E50"/>
+                </a:solidFill>
+              </a:rPr>
+              <a:t>设置</a:t>
+            </a:r>
+            <a:r>
+              <a:rPr lang="" altLang="zh-CN" sz="800" b="1">
+                <a:solidFill>
+                  <a:srgbClr val="2C3E50"/>
+                </a:solidFill>
+              </a:rPr>
+              <a:t>Polling </a:t>
+            </a:r>
+            <a:r>
+              <a:rPr lang="" altLang="en-US" sz="800" b="1">
+                <a:solidFill>
+                  <a:srgbClr val="2C3E50"/>
+                </a:solidFill>
+              </a:rPr>
+              <a:t>timeout</a:t>
+            </a:r>
+            <a:endParaRPr lang="" altLang="en-US" sz="800" b="1">
+              <a:solidFill>
+                <a:srgbClr val="2C3E50"/>
+              </a:solidFill>
+            </a:endParaRPr>
+          </a:p>
+        </p:txBody>
+      </p:sp>
+      <p:cxnSp>
+        <p:nvCxnSpPr>
+          <p:cNvPr id="34" name="直接箭头连接符 33"/>
+          <p:cNvCxnSpPr>
+            <a:stCxn id="10" idx="1"/>
+            <a:endCxn id="13" idx="5"/>
+          </p:cNvCxnSpPr>
+          <p:nvPr/>
+        </p:nvCxnSpPr>
+        <p:spPr>
+          <a:xfrm flipH="true" flipV="true">
+            <a:off x="4023360" y="2854960"/>
+            <a:ext cx="3440430" cy="1861185"/>
+          </a:xfrm>
+          <a:prstGeom prst="straightConnector1">
+            <a:avLst/>
+          </a:prstGeom>
+          <a:ln w="38100">
+            <a:solidFill>
+              <a:srgbClr val="3EAF7C"/>
+            </a:solidFill>
+            <a:tailEnd type="arrow"/>
+          </a:ln>
+        </p:spPr>
+        <p:style>
+          <a:lnRef idx="1">
+            <a:schemeClr val="accent1"/>
+          </a:lnRef>
+          <a:fillRef idx="0">
+            <a:schemeClr val="accent1"/>
+          </a:fillRef>
+          <a:effectRef idx="0">
+            <a:schemeClr val="accent1"/>
+          </a:effectRef>
+          <a:fontRef idx="minor">
+            <a:schemeClr val="tx1"/>
+          </a:fontRef>
+        </p:style>
+      </p:cxnSp>
+      <p:sp>
+        <p:nvSpPr>
+          <p:cNvPr id="35" name="文本框 34"/>
+          <p:cNvSpPr txBox="true"/>
+          <p:nvPr/>
+        </p:nvSpPr>
+        <p:spPr>
+          <a:xfrm>
+            <a:off x="5515610" y="3338195"/>
+            <a:ext cx="1586865" cy="306705"/>
+          </a:xfrm>
+          <a:prstGeom prst="rect">
+            <a:avLst/>
+          </a:prstGeom>
+          <a:noFill/>
+        </p:spPr>
+        <p:txBody>
+          <a:bodyPr wrap="none" rtlCol="0">
+            <a:spAutoFit/>
+          </a:bodyPr>
+          <a:p>
+            <a:r>
+              <a:rPr lang="en-US" altLang="en-US" sz="1400" b="1">
+                <a:solidFill>
+                  <a:srgbClr val="2C3E50"/>
+                </a:solidFill>
+              </a:rPr>
+              <a:t>check</a:t>
+            </a:r>
+            <a:r>
+              <a:rPr lang="en-US" altLang="zh-CN" sz="1400" b="1">
+                <a:solidFill>
+                  <a:srgbClr val="2C3E50"/>
+                </a:solidFill>
+              </a:rPr>
+              <a:t>()</a:t>
+            </a:r>
+            <a:r>
+              <a:rPr lang="en-US" altLang="en-US" sz="1400" b="1">
+                <a:solidFill>
+                  <a:srgbClr val="2C3E50"/>
+                </a:solidFill>
+              </a:rPr>
+              <a:t>/</a:t>
+            </a:r>
+            <a:r>
+              <a:rPr lang="" altLang="en-US" sz="1400" b="1">
+                <a:solidFill>
+                  <a:srgbClr val="2C3E50"/>
+                </a:solidFill>
+              </a:rPr>
+              <a:t>FALSE</a:t>
+            </a:r>
+            <a:endParaRPr lang="" altLang="en-US" sz="1400" b="1">
+              <a:solidFill>
+                <a:srgbClr val="2C3E50"/>
+              </a:solidFill>
+            </a:endParaRPr>
+          </a:p>
+        </p:txBody>
+      </p:sp>
+      <p:cxnSp>
+        <p:nvCxnSpPr>
+          <p:cNvPr id="36" name="肘形连接符 35"/>
+          <p:cNvCxnSpPr>
+            <a:stCxn id="13" idx="0"/>
+            <a:endCxn id="7" idx="0"/>
+          </p:cNvCxnSpPr>
+          <p:nvPr/>
+        </p:nvCxnSpPr>
+        <p:spPr>
+          <a:xfrm rot="16200000" flipH="true">
+            <a:off x="5726113" y="-320357"/>
+            <a:ext cx="35560" cy="4295775"/>
+          </a:xfrm>
+          <a:prstGeom prst="bentConnector3">
+            <a:avLst>
+              <a:gd name="adj1" fmla="val -670536"/>
+            </a:avLst>
+          </a:prstGeom>
+          <a:ln w="38100">
+            <a:solidFill>
+              <a:srgbClr val="3EAF7C"/>
+            </a:solidFill>
+            <a:tailEnd type="arrow"/>
+          </a:ln>
+        </p:spPr>
+        <p:style>
+          <a:lnRef idx="1">
+            <a:schemeClr val="accent1"/>
+          </a:lnRef>
+          <a:fillRef idx="0">
+            <a:schemeClr val="accent1"/>
+          </a:fillRef>
+          <a:effectRef idx="0">
+            <a:schemeClr val="accent1"/>
+          </a:effectRef>
+          <a:fontRef idx="minor">
+            <a:schemeClr val="tx1"/>
+          </a:fontRef>
+        </p:style>
+      </p:cxnSp>
+      <p:sp>
+        <p:nvSpPr>
+          <p:cNvPr id="37" name="文本框 36"/>
+          <p:cNvSpPr txBox="true"/>
+          <p:nvPr/>
+        </p:nvSpPr>
+        <p:spPr>
+          <a:xfrm>
+            <a:off x="4877435" y="1171575"/>
+            <a:ext cx="1724660" cy="306705"/>
+          </a:xfrm>
+          <a:prstGeom prst="rect">
+            <a:avLst/>
+          </a:prstGeom>
+          <a:noFill/>
+        </p:spPr>
+        <p:txBody>
+          <a:bodyPr wrap="none" rtlCol="0">
+            <a:spAutoFit/>
+          </a:bodyPr>
+          <a:p>
+            <a:r>
+              <a:rPr lang="en-US" altLang="zh-CN" sz="1400" b="1">
+                <a:solidFill>
+                  <a:srgbClr val="2C3E50"/>
+                </a:solidFill>
+              </a:rPr>
+              <a:t>prepare()/</a:t>
+            </a:r>
+            <a:r>
+              <a:rPr lang="" altLang="en-US" sz="1400" b="1">
+                <a:solidFill>
+                  <a:srgbClr val="2C3E50"/>
+                </a:solidFill>
+              </a:rPr>
+              <a:t>TRUE</a:t>
+            </a:r>
+            <a:endParaRPr lang="" altLang="en-US" sz="1400" b="1">
+              <a:solidFill>
+                <a:srgbClr val="2C3E50"/>
+              </a:solidFill>
+            </a:endParaRPr>
+          </a:p>
+        </p:txBody>
+      </p:sp>
     </p:spTree>
   </p:cSld>
   <p:clrMapOvr>

--- a/picture/qemu/qemu.pptx
+++ b/picture/qemu/qemu.pptx
@@ -5,10 +5,10 @@
     <p:sldMasterId id="2147483648" r:id="rId1"/>
   </p:sldMasterIdLst>
   <p:notesMasterIdLst>
-    <p:notesMasterId r:id="rId8"/>
+    <p:notesMasterId r:id="rId12"/>
   </p:notesMasterIdLst>
   <p:handoutMasterIdLst>
-    <p:handoutMasterId r:id="rId9"/>
+    <p:handoutMasterId r:id="rId13"/>
   </p:handoutMasterIdLst>
   <p:sldIdLst>
     <p:sldId id="256" r:id="rId3"/>
@@ -16,6 +16,10 @@
     <p:sldId id="258" r:id="rId5"/>
     <p:sldId id="259" r:id="rId6"/>
     <p:sldId id="260" r:id="rId7"/>
+    <p:sldId id="261" r:id="rId8"/>
+    <p:sldId id="262" r:id="rId9"/>
+    <p:sldId id="263" r:id="rId10"/>
+    <p:sldId id="264" r:id="rId11"/>
   </p:sldIdLst>
   <p:sldSz cx="12192000" cy="6858000"/>
   <p:notesSz cx="7103745" cy="10234295"/>
@@ -4258,7 +4262,7 @@
           </a:bodyPr>
           <a:p>
             <a:r>
-              <a:rPr lang="" altLang="zh-CN" b="1">
+              <a:rPr lang="en-US" altLang="zh-CN" b="1">
                 <a:solidFill>
                   <a:srgbClr val="2C3E50"/>
                 </a:solidFill>
@@ -4266,14 +4270,14 @@
               <a:t>GLIB</a:t>
             </a:r>
             <a:r>
-              <a:rPr lang="zh-CN" altLang="" b="1">
+              <a:rPr lang="zh-CN" altLang="en-US" b="1">
                 <a:solidFill>
                   <a:srgbClr val="2C3E50"/>
                 </a:solidFill>
               </a:rPr>
               <a:t>事件循环机制</a:t>
             </a:r>
-            <a:endParaRPr lang="zh-CN" altLang="" b="1">
+            <a:endParaRPr lang="zh-CN" altLang="en-US" b="1">
               <a:solidFill>
                 <a:srgbClr val="2C3E50"/>
               </a:solidFill>
@@ -4396,7 +4400,7 @@
           <a:p>
             <a:pPr algn="ctr"/>
             <a:r>
-              <a:rPr lang="" altLang="zh-CN" sz="1400" b="1">
+              <a:rPr lang="en-US" altLang="zh-CN" sz="1400" b="1">
                 <a:solidFill>
                   <a:srgbClr val="2C3E50"/>
                 </a:solidFill>
@@ -4404,7 +4408,7 @@
               </a:rPr>
               <a:t>idel</a:t>
             </a:r>
-            <a:endParaRPr lang="" altLang="zh-CN" sz="1400" b="1">
+            <a:endParaRPr lang="en-US" altLang="zh-CN" sz="1400" b="1">
               <a:solidFill>
                 <a:srgbClr val="2C3E50"/>
               </a:solidFill>
@@ -4414,7 +4418,7 @@
           <a:p>
             <a:pPr algn="ctr"/>
             <a:r>
-              <a:rPr lang="" altLang="zh-CN" sz="1400" b="1">
+              <a:rPr lang="en-US" altLang="zh-CN" sz="1400" b="1">
                 <a:solidFill>
                   <a:srgbClr val="2C3E50"/>
                 </a:solidFill>
@@ -4422,7 +4426,7 @@
               </a:rPr>
               <a:t>I/O</a:t>
             </a:r>
-            <a:endParaRPr lang="" altLang="zh-CN" sz="1400" b="1">
+            <a:endParaRPr lang="en-US" altLang="zh-CN" sz="1400" b="1">
               <a:solidFill>
                 <a:srgbClr val="2C3E50"/>
               </a:solidFill>
@@ -4432,7 +4436,7 @@
           <a:p>
             <a:pPr algn="ctr"/>
             <a:r>
-              <a:rPr lang="" altLang="zh-CN" sz="1400" b="1">
+              <a:rPr lang="en-US" altLang="zh-CN" sz="1400" b="1">
                 <a:solidFill>
                   <a:srgbClr val="2C3E50"/>
                 </a:solidFill>
@@ -4440,7 +4444,7 @@
               </a:rPr>
               <a:t>Timeout</a:t>
             </a:r>
-            <a:endParaRPr lang="" altLang="zh-CN" sz="1400" b="1">
+            <a:endParaRPr lang="en-US" altLang="zh-CN" sz="1400" b="1">
               <a:solidFill>
                 <a:srgbClr val="2C3E50"/>
               </a:solidFill>
@@ -4450,7 +4454,7 @@
           <a:p>
             <a:pPr algn="ctr"/>
             <a:r>
-              <a:rPr lang="zh-CN" altLang="" sz="1400" b="1">
+              <a:rPr lang="zh-CN" altLang="en-US" sz="1400" b="1">
                 <a:solidFill>
                   <a:srgbClr val="2C3E50"/>
                 </a:solidFill>
@@ -4458,7 +4462,7 @@
               </a:rPr>
               <a:t>自定义事件</a:t>
             </a:r>
-            <a:endParaRPr lang="zh-CN" altLang="" sz="1400" b="1">
+            <a:endParaRPr lang="zh-CN" altLang="en-US" sz="1400" b="1">
               <a:solidFill>
                 <a:srgbClr val="2C3E50"/>
               </a:solidFill>
@@ -4763,7 +4767,7 @@
             <a:bodyPr rtlCol="0" anchor="ctr"/>
             <a:p>
               <a:pPr algn="ctr"/>
-              <a:endParaRPr lang="" altLang="zh-CN" sz="1200" b="1">
+              <a:endParaRPr lang="en-US" altLang="zh-CN" sz="1200" b="1">
                 <a:solidFill>
                   <a:srgbClr val="2C3E50"/>
                 </a:solidFill>
@@ -4793,14 +4797,14 @@
             </a:bodyPr>
             <a:p>
               <a:r>
-                <a:rPr lang="" altLang="zh-CN" sz="1600" b="1">
+                <a:rPr lang="en-US" altLang="zh-CN" sz="1600" b="1">
                   <a:solidFill>
                     <a:srgbClr val="2C3E50"/>
                   </a:solidFill>
                 </a:rPr>
                 <a:t>Prepared</a:t>
               </a:r>
-              <a:endParaRPr lang="" altLang="zh-CN" sz="1600" b="1">
+              <a:endParaRPr lang="en-US" altLang="zh-CN" sz="1600" b="1">
                 <a:solidFill>
                   <a:srgbClr val="2C3E50"/>
                 </a:solidFill>
@@ -4903,14 +4907,14 @@
             </a:bodyPr>
             <a:p>
               <a:r>
-                <a:rPr lang="" altLang="en-US" sz="1600" b="1">
+                <a:rPr lang="en-US" altLang="en-US" sz="1600" b="1">
                   <a:solidFill>
                     <a:srgbClr val="2C3E50"/>
                   </a:solidFill>
                 </a:rPr>
                 <a:t>Dispatch</a:t>
               </a:r>
-              <a:endParaRPr lang="" altLang="en-US" sz="1600" b="1">
+              <a:endParaRPr lang="en-US" altLang="en-US" sz="1600" b="1">
                 <a:solidFill>
                   <a:srgbClr val="2C3E50"/>
                 </a:solidFill>
@@ -5013,14 +5017,14 @@
             </a:bodyPr>
             <a:p>
               <a:r>
-                <a:rPr lang="" altLang="en-US" sz="1600" b="1">
+                <a:rPr lang="en-US" altLang="en-US" sz="1600" b="1">
                   <a:solidFill>
                     <a:srgbClr val="2C3E50"/>
                   </a:solidFill>
                 </a:rPr>
                 <a:t>Polling</a:t>
               </a:r>
-              <a:endParaRPr lang="" altLang="en-US" sz="1600" b="1">
+              <a:endParaRPr lang="en-US" altLang="en-US" sz="1600" b="1">
                 <a:solidFill>
                   <a:srgbClr val="2C3E50"/>
                 </a:solidFill>
@@ -5123,14 +5127,14 @@
             </a:bodyPr>
             <a:p>
               <a:r>
-                <a:rPr lang="" altLang="en-US" sz="1600" b="1">
+                <a:rPr lang="en-US" altLang="en-US" sz="1600" b="1">
                   <a:solidFill>
                     <a:srgbClr val="2C3E50"/>
                   </a:solidFill>
                 </a:rPr>
                 <a:t>Initial[n]</a:t>
               </a:r>
-              <a:endParaRPr lang="" altLang="en-US" sz="1600" b="1">
+              <a:endParaRPr lang="en-US" altLang="en-US" sz="1600" b="1">
                 <a:solidFill>
                   <a:srgbClr val="2C3E50"/>
                 </a:solidFill>
@@ -5161,14 +5165,14 @@
           </a:bodyPr>
           <a:p>
             <a:r>
-              <a:rPr lang="" altLang="zh-CN" sz="1400" b="1">
+              <a:rPr lang="en-US" altLang="zh-CN" sz="1400" b="1">
                 <a:solidFill>
                   <a:srgbClr val="2C3E50"/>
                 </a:solidFill>
               </a:rPr>
               <a:t>prepare()/FALSE</a:t>
             </a:r>
-            <a:endParaRPr lang="" altLang="zh-CN" sz="1400" b="1">
+            <a:endParaRPr lang="en-US" altLang="zh-CN" sz="1400" b="1">
               <a:solidFill>
                 <a:srgbClr val="2C3E50"/>
               </a:solidFill>
@@ -5198,7 +5202,7 @@
           </a:bodyPr>
           <a:p>
             <a:r>
-              <a:rPr lang="" altLang="en-US" sz="1400" b="1">
+              <a:rPr lang="en-US" altLang="en-US" sz="1400" b="1">
                 <a:solidFill>
                   <a:srgbClr val="2C3E50"/>
                 </a:solidFill>
@@ -5398,7 +5402,7 @@
           </a:bodyPr>
           <a:p>
             <a:r>
-              <a:rPr lang="" altLang="en-US" sz="1400" b="1">
+              <a:rPr lang="en-US" altLang="en-US" sz="1400" b="1">
                 <a:solidFill>
                   <a:srgbClr val="2C3E50"/>
                 </a:solidFill>
@@ -5414,14 +5418,14 @@
               <a:t>()</a:t>
             </a:r>
             <a:r>
-              <a:rPr lang="" altLang="en-US" sz="1400" b="1">
+              <a:rPr lang="en-US" altLang="en-US" sz="1400" b="1">
                 <a:solidFill>
                   <a:srgbClr val="2C3E50"/>
                 </a:solidFill>
               </a:rPr>
               <a:t>/TRUE</a:t>
             </a:r>
-            <a:endParaRPr lang="" altLang="en-US" sz="1400" b="1">
+            <a:endParaRPr lang="en-US" altLang="en-US" sz="1400" b="1">
               <a:solidFill>
                 <a:srgbClr val="2C3E50"/>
               </a:solidFill>
@@ -5451,7 +5455,7 @@
           </a:bodyPr>
           <a:p>
             <a:r>
-              <a:rPr lang="" altLang="en-US" sz="1400" b="1">
+              <a:rPr lang="en-US" altLang="en-US" sz="1400" b="1">
                 <a:solidFill>
                   <a:srgbClr val="2C3E50"/>
                 </a:solidFill>
@@ -5496,7 +5500,7 @@
           </a:bodyPr>
           <a:p>
             <a:r>
-              <a:rPr lang="zh-CN" altLang="" sz="800" b="1">
+              <a:rPr lang="zh-CN" altLang="en-US" sz="800" b="1">
                 <a:solidFill>
                   <a:srgbClr val="2C3E50"/>
                 </a:solidFill>
@@ -5504,7 +5508,7 @@
               <a:t>设置</a:t>
             </a:r>
             <a:r>
-              <a:rPr lang="" altLang="zh-CN" sz="800" b="1">
+              <a:rPr lang="en-US" altLang="zh-CN" sz="800" b="1">
                 <a:solidFill>
                   <a:srgbClr val="2C3E50"/>
                 </a:solidFill>
@@ -5512,14 +5516,14 @@
               <a:t>Polling </a:t>
             </a:r>
             <a:r>
-              <a:rPr lang="" altLang="en-US" sz="800" b="1">
+              <a:rPr lang="en-US" altLang="en-US" sz="800" b="1">
                 <a:solidFill>
                   <a:srgbClr val="2C3E50"/>
                 </a:solidFill>
               </a:rPr>
               <a:t>timeout</a:t>
             </a:r>
-            <a:endParaRPr lang="" altLang="en-US" sz="800" b="1">
+            <a:endParaRPr lang="en-US" altLang="en-US" sz="800" b="1">
               <a:solidFill>
                 <a:srgbClr val="2C3E50"/>
               </a:solidFill>
@@ -5609,17 +5613,9 @@
                   <a:srgbClr val="2C3E50"/>
                 </a:solidFill>
               </a:rPr>
-              <a:t>/</a:t>
-            </a:r>
-            <a:r>
-              <a:rPr lang="" altLang="en-US" sz="1400" b="1">
-                <a:solidFill>
-                  <a:srgbClr val="2C3E50"/>
-                </a:solidFill>
-              </a:rPr>
-              <a:t>FALSE</a:t>
-            </a:r>
-            <a:endParaRPr lang="" altLang="en-US" sz="1400" b="1">
+              <a:t>/FALSE</a:t>
+            </a:r>
+            <a:endParaRPr lang="en-US" altLang="en-US" sz="1400" b="1">
               <a:solidFill>
                 <a:srgbClr val="2C3E50"/>
               </a:solidFill>
@@ -5698,14 +5694,14 @@
               <a:t>prepare()/</a:t>
             </a:r>
             <a:r>
-              <a:rPr lang="" altLang="en-US" sz="1400" b="1">
+              <a:rPr lang="en-US" altLang="en-US" sz="1400" b="1">
                 <a:solidFill>
                   <a:srgbClr val="2C3E50"/>
                 </a:solidFill>
               </a:rPr>
               <a:t>TRUE</a:t>
             </a:r>
-            <a:endParaRPr lang="" altLang="en-US" sz="1400" b="1">
+            <a:endParaRPr lang="en-US" altLang="en-US" sz="1400" b="1">
               <a:solidFill>
                 <a:srgbClr val="2C3E50"/>
               </a:solidFill>
@@ -5713,6 +5709,795 @@
           </a:p>
         </p:txBody>
       </p:sp>
+    </p:spTree>
+  </p:cSld>
+  <p:clrMapOvr>
+    <a:masterClrMapping/>
+  </p:clrMapOvr>
+</p:sld>
+</file>
+
+<file path=ppt/slides/slide6.xml><?xml version="1.0" encoding="utf-8"?>
+<p:sld xmlns:a="http://schemas.openxmlformats.org/drawingml/2006/main" xmlns:r="http://schemas.openxmlformats.org/officeDocument/2006/relationships" xmlns:p="http://schemas.openxmlformats.org/presentationml/2006/main">
+  <p:cSld>
+    <p:spTree>
+      <p:nvGrpSpPr>
+        <p:cNvPr id="1" name=""/>
+        <p:cNvGrpSpPr/>
+        <p:nvPr/>
+      </p:nvGrpSpPr>
+      <p:grpSpPr/>
+      <p:sp>
+        <p:nvSpPr>
+          <p:cNvPr id="4" name="文本框 3"/>
+          <p:cNvSpPr txBox="true"/>
+          <p:nvPr/>
+        </p:nvSpPr>
+        <p:spPr>
+          <a:xfrm>
+            <a:off x="842010" y="554355"/>
+            <a:ext cx="1404620" cy="368300"/>
+          </a:xfrm>
+          <a:prstGeom prst="rect">
+            <a:avLst/>
+          </a:prstGeom>
+          <a:noFill/>
+        </p:spPr>
+        <p:txBody>
+          <a:bodyPr wrap="none" rtlCol="0">
+            <a:spAutoFit/>
+          </a:bodyPr>
+          <a:p>
+            <a:r>
+              <a:rPr lang="" altLang="zh-CN" b="1">
+                <a:solidFill>
+                  <a:srgbClr val="2C3E50"/>
+                </a:solidFill>
+              </a:rPr>
+              <a:t>QEMU</a:t>
+            </a:r>
+            <a:r>
+              <a:rPr lang="zh-CN" altLang="" b="1">
+                <a:solidFill>
+                  <a:srgbClr val="2C3E50"/>
+                </a:solidFill>
+              </a:rPr>
+              <a:t>内存</a:t>
+            </a:r>
+            <a:endParaRPr lang="zh-CN" altLang="" b="1">
+              <a:solidFill>
+                <a:srgbClr val="2C3E50"/>
+              </a:solidFill>
+            </a:endParaRPr>
+          </a:p>
+        </p:txBody>
+      </p:sp>
+      <p:graphicFrame>
+        <p:nvGraphicFramePr>
+          <p:cNvPr id="5" name="表格 4"/>
+          <p:cNvGraphicFramePr/>
+          <p:nvPr/>
+        </p:nvGraphicFramePr>
+        <p:xfrm>
+          <a:off x="1205865" y="4391660"/>
+          <a:ext cx="9958070" cy="548640"/>
+        </p:xfrm>
+        <a:graphic>
+          <a:graphicData uri="http://schemas.openxmlformats.org/drawingml/2006/table">
+            <a:tbl>
+              <a:tblPr firstRow="true" bandRow="true">
+                <a:tableStyleId>{5940675A-B579-460E-94D1-54222C63F5DA}</a:tableStyleId>
+              </a:tblPr>
+              <a:tblGrid>
+                <a:gridCol w="1467485"/>
+                <a:gridCol w="734695"/>
+                <a:gridCol w="714375"/>
+                <a:gridCol w="302260"/>
+                <a:gridCol w="748030"/>
+                <a:gridCol w="690245"/>
+                <a:gridCol w="196850"/>
+                <a:gridCol w="703580"/>
+                <a:gridCol w="1421765"/>
+                <a:gridCol w="1468120"/>
+                <a:gridCol w="249555"/>
+                <a:gridCol w="1261110"/>
+              </a:tblGrid>
+              <a:tr h="548640">
+                <a:tc>
+                  <a:txBody>
+                    <a:bodyPr/>
+                    <a:p>
+                      <a:pPr algn="ctr">
+                        <a:buNone/>
+                      </a:pPr>
+                      <a:r>
+                        <a:rPr lang="" altLang="zh-CN" sz="1400" b="1">
+                          <a:solidFill>
+                            <a:srgbClr val="2C3E50"/>
+                          </a:solidFill>
+                        </a:rPr>
+                        <a:t>pc.ram</a:t>
+                      </a:r>
+                      <a:endParaRPr lang="" altLang="zh-CN" sz="1400" b="1">
+                        <a:solidFill>
+                          <a:srgbClr val="2C3E50"/>
+                        </a:solidFill>
+                      </a:endParaRPr>
+                    </a:p>
+                  </a:txBody>
+                  <a:tcPr anchor="ctr" anchorCtr="false">
+                    <a:lnL w="38100">
+                      <a:solidFill>
+                        <a:srgbClr val="2C3E50"/>
+                      </a:solidFill>
+                      <a:prstDash val="solid"/>
+                    </a:lnL>
+                    <a:lnR w="38100">
+                      <a:solidFill>
+                        <a:srgbClr val="2C3E50"/>
+                      </a:solidFill>
+                      <a:prstDash val="solid"/>
+                    </a:lnR>
+                    <a:lnT w="38100">
+                      <a:solidFill>
+                        <a:srgbClr val="2C3E50"/>
+                      </a:solidFill>
+                      <a:prstDash val="solid"/>
+                    </a:lnT>
+                    <a:lnB w="38100">
+                      <a:solidFill>
+                        <a:srgbClr val="2C3E50"/>
+                      </a:solidFill>
+                      <a:prstDash val="solid"/>
+                    </a:lnB>
+                    <a:lnTlToBr>
+                      <a:noFill/>
+                    </a:lnTlToBr>
+                    <a:lnBlToTr>
+                      <a:noFill/>
+                    </a:lnBlToTr>
+                  </a:tcPr>
+                </a:tc>
+                <a:tc>
+                  <a:txBody>
+                    <a:bodyPr/>
+                    <a:p>
+                      <a:pPr algn="ctr">
+                        <a:buNone/>
+                      </a:pPr>
+                      <a:r>
+                        <a:rPr lang="" altLang="zh-CN" sz="1400" b="1">
+                          <a:solidFill>
+                            <a:srgbClr val="2C3E50"/>
+                          </a:solidFill>
+                        </a:rPr>
+                        <a:t>pc.bios</a:t>
+                      </a:r>
+                      <a:endParaRPr lang="" altLang="zh-CN" sz="1400" b="1">
+                        <a:solidFill>
+                          <a:srgbClr val="2C3E50"/>
+                        </a:solidFill>
+                      </a:endParaRPr>
+                    </a:p>
+                  </a:txBody>
+                  <a:tcPr anchor="ctr" anchorCtr="false">
+                    <a:lnL w="38100">
+                      <a:solidFill>
+                        <a:srgbClr val="2C3E50"/>
+                      </a:solidFill>
+                      <a:prstDash val="solid"/>
+                    </a:lnL>
+                    <a:lnR w="38100">
+                      <a:solidFill>
+                        <a:srgbClr val="2C3E50"/>
+                      </a:solidFill>
+                      <a:prstDash val="solid"/>
+                    </a:lnR>
+                    <a:lnT w="38100">
+                      <a:solidFill>
+                        <a:srgbClr val="2C3E50"/>
+                      </a:solidFill>
+                      <a:prstDash val="solid"/>
+                    </a:lnT>
+                    <a:lnB w="38100">
+                      <a:solidFill>
+                        <a:srgbClr val="2C3E50"/>
+                      </a:solidFill>
+                      <a:prstDash val="solid"/>
+                    </a:lnB>
+                    <a:lnTlToBr>
+                      <a:noFill/>
+                    </a:lnTlToBr>
+                    <a:lnBlToTr>
+                      <a:noFill/>
+                    </a:lnBlToTr>
+                  </a:tcPr>
+                </a:tc>
+                <a:tc>
+                  <a:txBody>
+                    <a:bodyPr/>
+                    <a:p>
+                      <a:pPr algn="ctr">
+                        <a:buNone/>
+                      </a:pPr>
+                      <a:r>
+                        <a:rPr lang="" altLang="zh-CN" sz="1400" b="1">
+                          <a:solidFill>
+                            <a:srgbClr val="2C3E50"/>
+                          </a:solidFill>
+                        </a:rPr>
+                        <a:t>pc.rom</a:t>
+                      </a:r>
+                      <a:endParaRPr lang="" altLang="zh-CN" sz="1400" b="1">
+                        <a:solidFill>
+                          <a:srgbClr val="2C3E50"/>
+                        </a:solidFill>
+                      </a:endParaRPr>
+                    </a:p>
+                  </a:txBody>
+                  <a:tcPr anchor="ctr" anchorCtr="false">
+                    <a:lnL w="38100">
+                      <a:solidFill>
+                        <a:srgbClr val="2C3E50"/>
+                      </a:solidFill>
+                      <a:prstDash val="solid"/>
+                    </a:lnL>
+                    <a:lnR w="38100">
+                      <a:solidFill>
+                        <a:srgbClr val="2C3E50"/>
+                      </a:solidFill>
+                      <a:prstDash val="solid"/>
+                    </a:lnR>
+                    <a:lnT w="38100">
+                      <a:solidFill>
+                        <a:srgbClr val="2C3E50"/>
+                      </a:solidFill>
+                      <a:prstDash val="solid"/>
+                    </a:lnT>
+                    <a:lnB w="38100">
+                      <a:solidFill>
+                        <a:srgbClr val="2C3E50"/>
+                      </a:solidFill>
+                      <a:prstDash val="solid"/>
+                    </a:lnB>
+                    <a:lnTlToBr>
+                      <a:noFill/>
+                    </a:lnTlToBr>
+                    <a:lnBlToTr>
+                      <a:noFill/>
+                    </a:lnBlToTr>
+                  </a:tcPr>
+                </a:tc>
+                <a:tc>
+                  <a:txBody>
+                    <a:bodyPr/>
+                    <a:p>
+                      <a:pPr algn="ctr">
+                        <a:buNone/>
+                      </a:pPr>
+                      <a:endParaRPr lang="" altLang="zh-CN" sz="1400" b="1">
+                        <a:solidFill>
+                          <a:srgbClr val="2C3E50"/>
+                        </a:solidFill>
+                      </a:endParaRPr>
+                    </a:p>
+                  </a:txBody>
+                  <a:tcPr anchor="ctr" anchorCtr="false">
+                    <a:lnL w="38100">
+                      <a:solidFill>
+                        <a:srgbClr val="2C3E50"/>
+                      </a:solidFill>
+                      <a:prstDash val="solid"/>
+                    </a:lnL>
+                    <a:lnR w="38100">
+                      <a:solidFill>
+                        <a:srgbClr val="2C3E50"/>
+                      </a:solidFill>
+                      <a:prstDash val="solid"/>
+                    </a:lnR>
+                    <a:lnT w="38100">
+                      <a:solidFill>
+                        <a:srgbClr val="2C3E50"/>
+                      </a:solidFill>
+                      <a:prstDash val="solid"/>
+                    </a:lnT>
+                    <a:lnB w="38100">
+                      <a:solidFill>
+                        <a:srgbClr val="2C3E50"/>
+                      </a:solidFill>
+                      <a:prstDash val="solid"/>
+                    </a:lnB>
+                    <a:lnTlToBr>
+                      <a:noFill/>
+                    </a:lnTlToBr>
+                    <a:lnBlToTr>
+                      <a:noFill/>
+                    </a:lnBlToTr>
+                  </a:tcPr>
+                </a:tc>
+                <a:tc>
+                  <a:txBody>
+                    <a:bodyPr/>
+                    <a:p>
+                      <a:pPr algn="ctr">
+                        <a:buNone/>
+                      </a:pPr>
+                      <a:r>
+                        <a:rPr lang="" altLang="zh-CN" sz="1400" b="1">
+                          <a:solidFill>
+                            <a:srgbClr val="2C3E50"/>
+                          </a:solidFill>
+                        </a:rPr>
+                        <a:t>vga.vram</a:t>
+                      </a:r>
+                      <a:endParaRPr lang="" altLang="zh-CN" sz="1400" b="1">
+                        <a:solidFill>
+                          <a:srgbClr val="2C3E50"/>
+                        </a:solidFill>
+                      </a:endParaRPr>
+                    </a:p>
+                  </a:txBody>
+                  <a:tcPr anchor="ctr" anchorCtr="false">
+                    <a:lnL w="38100">
+                      <a:solidFill>
+                        <a:srgbClr val="2C3E50"/>
+                      </a:solidFill>
+                      <a:prstDash val="solid"/>
+                    </a:lnL>
+                    <a:lnR w="38100">
+                      <a:solidFill>
+                        <a:srgbClr val="2C3E50"/>
+                      </a:solidFill>
+                      <a:prstDash val="solid"/>
+                    </a:lnR>
+                    <a:lnT w="38100">
+                      <a:solidFill>
+                        <a:srgbClr val="2C3E50"/>
+                      </a:solidFill>
+                      <a:prstDash val="solid"/>
+                    </a:lnT>
+                    <a:lnB w="38100">
+                      <a:solidFill>
+                        <a:srgbClr val="2C3E50"/>
+                      </a:solidFill>
+                      <a:prstDash val="solid"/>
+                    </a:lnB>
+                    <a:lnTlToBr>
+                      <a:noFill/>
+                    </a:lnTlToBr>
+                    <a:lnBlToTr>
+                      <a:noFill/>
+                    </a:lnBlToTr>
+                  </a:tcPr>
+                </a:tc>
+                <a:tc>
+                  <a:txBody>
+                    <a:bodyPr/>
+                    <a:p>
+                      <a:pPr algn="ctr">
+                        <a:buNone/>
+                      </a:pPr>
+                      <a:r>
+                        <a:rPr lang="" altLang="zh-CN" sz="1400" b="1">
+                          <a:solidFill>
+                            <a:srgbClr val="2C3E50"/>
+                          </a:solidFill>
+                        </a:rPr>
+                        <a:t>vga.rom</a:t>
+                      </a:r>
+                      <a:endParaRPr lang="" altLang="zh-CN" sz="1400" b="1">
+                        <a:solidFill>
+                          <a:srgbClr val="2C3E50"/>
+                        </a:solidFill>
+                      </a:endParaRPr>
+                    </a:p>
+                  </a:txBody>
+                  <a:tcPr anchor="ctr" anchorCtr="false">
+                    <a:lnL w="38100">
+                      <a:solidFill>
+                        <a:srgbClr val="2C3E50"/>
+                      </a:solidFill>
+                      <a:prstDash val="solid"/>
+                    </a:lnL>
+                    <a:lnR w="38100">
+                      <a:solidFill>
+                        <a:srgbClr val="2C3E50"/>
+                      </a:solidFill>
+                      <a:prstDash val="solid"/>
+                    </a:lnR>
+                    <a:lnT w="38100">
+                      <a:solidFill>
+                        <a:srgbClr val="2C3E50"/>
+                      </a:solidFill>
+                      <a:prstDash val="solid"/>
+                    </a:lnT>
+                    <a:lnB w="38100">
+                      <a:solidFill>
+                        <a:srgbClr val="2C3E50"/>
+                      </a:solidFill>
+                      <a:prstDash val="solid"/>
+                    </a:lnB>
+                    <a:lnTlToBr>
+                      <a:noFill/>
+                    </a:lnTlToBr>
+                    <a:lnBlToTr>
+                      <a:noFill/>
+                    </a:lnBlToTr>
+                  </a:tcPr>
+                </a:tc>
+                <a:tc>
+                  <a:txBody>
+                    <a:bodyPr/>
+                    <a:p>
+                      <a:pPr algn="ctr">
+                        <a:buNone/>
+                      </a:pPr>
+                      <a:endParaRPr lang="" altLang="zh-CN" sz="1400" b="1">
+                        <a:solidFill>
+                          <a:srgbClr val="2C3E50"/>
+                        </a:solidFill>
+                      </a:endParaRPr>
+                    </a:p>
+                  </a:txBody>
+                  <a:tcPr anchor="ctr" anchorCtr="false">
+                    <a:lnL w="38100">
+                      <a:solidFill>
+                        <a:srgbClr val="2C3E50"/>
+                      </a:solidFill>
+                      <a:prstDash val="solid"/>
+                    </a:lnL>
+                    <a:lnR w="38100">
+                      <a:solidFill>
+                        <a:srgbClr val="2C3E50"/>
+                      </a:solidFill>
+                      <a:prstDash val="solid"/>
+                    </a:lnR>
+                    <a:lnT w="38100">
+                      <a:solidFill>
+                        <a:srgbClr val="2C3E50"/>
+                      </a:solidFill>
+                      <a:prstDash val="solid"/>
+                    </a:lnT>
+                    <a:lnB w="38100">
+                      <a:solidFill>
+                        <a:srgbClr val="2C3E50"/>
+                      </a:solidFill>
+                      <a:prstDash val="solid"/>
+                    </a:lnB>
+                    <a:lnTlToBr>
+                      <a:noFill/>
+                    </a:lnTlToBr>
+                    <a:lnBlToTr>
+                      <a:noFill/>
+                    </a:lnBlToTr>
+                  </a:tcPr>
+                </a:tc>
+                <a:tc>
+                  <a:txBody>
+                    <a:bodyPr/>
+                    <a:p>
+                      <a:pPr algn="ctr">
+                        <a:buNone/>
+                      </a:pPr>
+                      <a:r>
+                        <a:rPr lang="" altLang="zh-CN" sz="1400" b="1">
+                          <a:solidFill>
+                            <a:srgbClr val="2C3E50"/>
+                          </a:solidFill>
+                        </a:rPr>
+                        <a:t>e100.rom</a:t>
+                      </a:r>
+                      <a:endParaRPr lang="" altLang="zh-CN" sz="1400" b="1">
+                        <a:solidFill>
+                          <a:srgbClr val="2C3E50"/>
+                        </a:solidFill>
+                      </a:endParaRPr>
+                    </a:p>
+                  </a:txBody>
+                  <a:tcPr anchor="ctr" anchorCtr="false">
+                    <a:lnL w="38100">
+                      <a:solidFill>
+                        <a:srgbClr val="2C3E50"/>
+                      </a:solidFill>
+                      <a:prstDash val="solid"/>
+                    </a:lnL>
+                    <a:lnR w="38100">
+                      <a:solidFill>
+                        <a:srgbClr val="2C3E50"/>
+                      </a:solidFill>
+                      <a:prstDash val="solid"/>
+                    </a:lnR>
+                    <a:lnT w="38100">
+                      <a:solidFill>
+                        <a:srgbClr val="2C3E50"/>
+                      </a:solidFill>
+                      <a:prstDash val="solid"/>
+                    </a:lnT>
+                    <a:lnB w="38100">
+                      <a:solidFill>
+                        <a:srgbClr val="2C3E50"/>
+                      </a:solidFill>
+                      <a:prstDash val="solid"/>
+                    </a:lnB>
+                    <a:lnTlToBr>
+                      <a:noFill/>
+                    </a:lnTlToBr>
+                    <a:lnBlToTr>
+                      <a:noFill/>
+                    </a:lnBlToTr>
+                  </a:tcPr>
+                </a:tc>
+                <a:tc>
+                  <a:txBody>
+                    <a:bodyPr/>
+                    <a:p>
+                      <a:pPr algn="ctr">
+                        <a:buNone/>
+                      </a:pPr>
+                      <a:r>
+                        <a:rPr lang="" altLang="zh-CN" sz="1400" b="1">
+                          <a:solidFill>
+                            <a:srgbClr val="2C3E50"/>
+                          </a:solidFill>
+                        </a:rPr>
+                        <a:t>/rom@/etc/apci/table</a:t>
+                      </a:r>
+                      <a:endParaRPr lang="" altLang="zh-CN" sz="1400" b="1">
+                        <a:solidFill>
+                          <a:srgbClr val="2C3E50"/>
+                        </a:solidFill>
+                      </a:endParaRPr>
+                    </a:p>
+                  </a:txBody>
+                  <a:tcPr anchor="ctr" anchorCtr="false">
+                    <a:lnL w="38100">
+                      <a:solidFill>
+                        <a:srgbClr val="2C3E50"/>
+                      </a:solidFill>
+                      <a:prstDash val="solid"/>
+                    </a:lnL>
+                    <a:lnR w="38100">
+                      <a:solidFill>
+                        <a:srgbClr val="2C3E50"/>
+                      </a:solidFill>
+                      <a:prstDash val="solid"/>
+                    </a:lnR>
+                    <a:lnT w="38100">
+                      <a:solidFill>
+                        <a:srgbClr val="2C3E50"/>
+                      </a:solidFill>
+                      <a:prstDash val="solid"/>
+                    </a:lnT>
+                    <a:lnB w="38100">
+                      <a:solidFill>
+                        <a:srgbClr val="2C3E50"/>
+                      </a:solidFill>
+                      <a:prstDash val="solid"/>
+                    </a:lnB>
+                    <a:lnTlToBr>
+                      <a:noFill/>
+                    </a:lnTlToBr>
+                    <a:lnBlToTr>
+                      <a:noFill/>
+                    </a:lnBlToTr>
+                  </a:tcPr>
+                </a:tc>
+                <a:tc>
+                  <a:txBody>
+                    <a:bodyPr/>
+                    <a:p>
+                      <a:pPr algn="ctr">
+                        <a:buNone/>
+                      </a:pPr>
+                      <a:r>
+                        <a:rPr lang="" altLang="zh-CN" sz="1400" b="1">
+                          <a:solidFill>
+                            <a:srgbClr val="2C3E50"/>
+                          </a:solidFill>
+                        </a:rPr>
+                        <a:t>/rom@etc/table-loader</a:t>
+                      </a:r>
+                      <a:endParaRPr lang="" altLang="zh-CN" sz="1400" b="1">
+                        <a:solidFill>
+                          <a:srgbClr val="2C3E50"/>
+                        </a:solidFill>
+                      </a:endParaRPr>
+                    </a:p>
+                  </a:txBody>
+                  <a:tcPr anchor="ctr" anchorCtr="false">
+                    <a:lnL w="38100">
+                      <a:solidFill>
+                        <a:srgbClr val="2C3E50"/>
+                      </a:solidFill>
+                      <a:prstDash val="solid"/>
+                    </a:lnL>
+                    <a:lnR w="38100">
+                      <a:solidFill>
+                        <a:srgbClr val="2C3E50"/>
+                      </a:solidFill>
+                      <a:prstDash val="solid"/>
+                    </a:lnR>
+                    <a:lnT w="38100">
+                      <a:solidFill>
+                        <a:srgbClr val="2C3E50"/>
+                      </a:solidFill>
+                      <a:prstDash val="solid"/>
+                    </a:lnT>
+                    <a:lnB w="38100">
+                      <a:solidFill>
+                        <a:srgbClr val="2C3E50"/>
+                      </a:solidFill>
+                      <a:prstDash val="solid"/>
+                    </a:lnB>
+                    <a:lnTlToBr>
+                      <a:noFill/>
+                    </a:lnTlToBr>
+                    <a:lnBlToTr>
+                      <a:noFill/>
+                    </a:lnBlToTr>
+                  </a:tcPr>
+                </a:tc>
+                <a:tc>
+                  <a:txBody>
+                    <a:bodyPr/>
+                    <a:p>
+                      <a:pPr algn="ctr">
+                        <a:buNone/>
+                      </a:pPr>
+                      <a:endParaRPr lang="zh-CN" altLang="en-US" sz="1400" b="1">
+                        <a:solidFill>
+                          <a:srgbClr val="2C3E50"/>
+                        </a:solidFill>
+                      </a:endParaRPr>
+                    </a:p>
+                  </a:txBody>
+                  <a:tcPr anchor="ctr" anchorCtr="false">
+                    <a:lnL w="38100">
+                      <a:solidFill>
+                        <a:srgbClr val="2C3E50"/>
+                      </a:solidFill>
+                      <a:prstDash val="solid"/>
+                    </a:lnL>
+                    <a:lnR w="38100">
+                      <a:solidFill>
+                        <a:srgbClr val="2C3E50"/>
+                      </a:solidFill>
+                      <a:prstDash val="solid"/>
+                    </a:lnR>
+                    <a:lnT w="38100">
+                      <a:solidFill>
+                        <a:srgbClr val="2C3E50"/>
+                      </a:solidFill>
+                      <a:prstDash val="solid"/>
+                    </a:lnT>
+                    <a:lnB w="38100">
+                      <a:solidFill>
+                        <a:srgbClr val="2C3E50"/>
+                      </a:solidFill>
+                      <a:prstDash val="solid"/>
+                    </a:lnB>
+                    <a:lnTlToBr>
+                      <a:noFill/>
+                    </a:lnTlToBr>
+                    <a:lnBlToTr>
+                      <a:noFill/>
+                    </a:lnBlToTr>
+                  </a:tcPr>
+                </a:tc>
+                <a:tc>
+                  <a:txBody>
+                    <a:bodyPr/>
+                    <a:p>
+                      <a:pPr algn="ctr">
+                        <a:buNone/>
+                      </a:pPr>
+                      <a:r>
+                        <a:rPr lang="" altLang="zh-CN" sz="1400" b="1">
+                          <a:solidFill>
+                            <a:srgbClr val="2C3E50"/>
+                          </a:solidFill>
+                        </a:rPr>
+                        <a:t>/rom@etc/acpi/rdsp</a:t>
+                      </a:r>
+                      <a:endParaRPr lang="" altLang="zh-CN" sz="1400" b="1">
+                        <a:solidFill>
+                          <a:srgbClr val="2C3E50"/>
+                        </a:solidFill>
+                      </a:endParaRPr>
+                    </a:p>
+                  </a:txBody>
+                  <a:tcPr anchor="ctr" anchorCtr="false">
+                    <a:lnL w="38100">
+                      <a:solidFill>
+                        <a:srgbClr val="2C3E50"/>
+                      </a:solidFill>
+                      <a:prstDash val="solid"/>
+                    </a:lnL>
+                    <a:lnR w="38100">
+                      <a:solidFill>
+                        <a:srgbClr val="2C3E50"/>
+                      </a:solidFill>
+                      <a:prstDash val="solid"/>
+                    </a:lnR>
+                    <a:lnT w="38100">
+                      <a:solidFill>
+                        <a:srgbClr val="2C3E50"/>
+                      </a:solidFill>
+                      <a:prstDash val="solid"/>
+                    </a:lnT>
+                    <a:lnB w="38100">
+                      <a:solidFill>
+                        <a:srgbClr val="2C3E50"/>
+                      </a:solidFill>
+                      <a:prstDash val="solid"/>
+                    </a:lnB>
+                    <a:lnTlToBr>
+                      <a:noFill/>
+                    </a:lnTlToBr>
+                    <a:lnBlToTr>
+                      <a:noFill/>
+                    </a:lnBlToTr>
+                  </a:tcPr>
+                </a:tc>
+              </a:tr>
+            </a:tbl>
+          </a:graphicData>
+        </a:graphic>
+      </p:graphicFrame>
+    </p:spTree>
+  </p:cSld>
+  <p:clrMapOvr>
+    <a:masterClrMapping/>
+  </p:clrMapOvr>
+</p:sld>
+</file>
+
+<file path=ppt/slides/slide7.xml><?xml version="1.0" encoding="utf-8"?>
+<p:sld xmlns:a="http://schemas.openxmlformats.org/drawingml/2006/main" xmlns:r="http://schemas.openxmlformats.org/officeDocument/2006/relationships" xmlns:p="http://schemas.openxmlformats.org/presentationml/2006/main">
+  <p:cSld>
+    <p:spTree>
+      <p:nvGrpSpPr>
+        <p:cNvPr id="1" name=""/>
+        <p:cNvGrpSpPr/>
+        <p:nvPr/>
+      </p:nvGrpSpPr>
+      <p:grpSpPr/>
+    </p:spTree>
+  </p:cSld>
+  <p:clrMapOvr>
+    <a:masterClrMapping/>
+  </p:clrMapOvr>
+</p:sld>
+</file>
+
+<file path=ppt/slides/slide8.xml><?xml version="1.0" encoding="utf-8"?>
+<p:sld xmlns:a="http://schemas.openxmlformats.org/drawingml/2006/main" xmlns:r="http://schemas.openxmlformats.org/officeDocument/2006/relationships" xmlns:p="http://schemas.openxmlformats.org/presentationml/2006/main">
+  <p:cSld>
+    <p:spTree>
+      <p:nvGrpSpPr>
+        <p:cNvPr id="1" name=""/>
+        <p:cNvGrpSpPr/>
+        <p:nvPr/>
+      </p:nvGrpSpPr>
+      <p:grpSpPr/>
+    </p:spTree>
+  </p:cSld>
+  <p:clrMapOvr>
+    <a:masterClrMapping/>
+  </p:clrMapOvr>
+</p:sld>
+</file>
+
+<file path=ppt/slides/slide9.xml><?xml version="1.0" encoding="utf-8"?>
+<p:sld xmlns:a="http://schemas.openxmlformats.org/drawingml/2006/main" xmlns:r="http://schemas.openxmlformats.org/officeDocument/2006/relationships" xmlns:p="http://schemas.openxmlformats.org/presentationml/2006/main">
+  <p:cSld>
+    <p:spTree>
+      <p:nvGrpSpPr>
+        <p:cNvPr id="1" name=""/>
+        <p:cNvGrpSpPr/>
+        <p:nvPr/>
+      </p:nvGrpSpPr>
+      <p:grpSpPr/>
     </p:spTree>
   </p:cSld>
   <p:clrMapOvr>

--- a/picture/qemu/qemu.pptx
+++ b/picture/qemu/qemu.pptx
@@ -5749,7 +5749,7 @@
           </a:bodyPr>
           <a:p>
             <a:r>
-              <a:rPr lang="" altLang="zh-CN" b="1">
+              <a:rPr lang="en-US" altLang="zh-CN" b="1">
                 <a:solidFill>
                   <a:srgbClr val="2C3E50"/>
                 </a:solidFill>
@@ -5757,14 +5757,14 @@
               <a:t>QEMU</a:t>
             </a:r>
             <a:r>
-              <a:rPr lang="zh-CN" altLang="" b="1">
+              <a:rPr lang="zh-CN" altLang="en-US" b="1">
                 <a:solidFill>
                   <a:srgbClr val="2C3E50"/>
                 </a:solidFill>
               </a:rPr>
               <a:t>内存</a:t>
             </a:r>
-            <a:endParaRPr lang="zh-CN" altLang="" b="1">
+            <a:endParaRPr lang="zh-CN" altLang="en-US" b="1">
               <a:solidFill>
                 <a:srgbClr val="2C3E50"/>
               </a:solidFill>
@@ -5811,14 +5811,14 @@
                         <a:buNone/>
                       </a:pPr>
                       <a:r>
-                        <a:rPr lang="" altLang="zh-CN" sz="1400" b="1">
+                        <a:rPr lang="en-US" altLang="zh-CN" sz="1400" b="1">
                           <a:solidFill>
                             <a:srgbClr val="2C3E50"/>
                           </a:solidFill>
                         </a:rPr>
                         <a:t>pc.ram</a:t>
                       </a:r>
-                      <a:endParaRPr lang="" altLang="zh-CN" sz="1400" b="1">
+                      <a:endParaRPr lang="en-US" altLang="zh-CN" sz="1400" b="1">
                         <a:solidFill>
                           <a:srgbClr val="2C3E50"/>
                         </a:solidFill>
@@ -5866,14 +5866,14 @@
                         <a:buNone/>
                       </a:pPr>
                       <a:r>
-                        <a:rPr lang="" altLang="zh-CN" sz="1400" b="1">
+                        <a:rPr lang="en-US" altLang="zh-CN" sz="1400" b="1">
                           <a:solidFill>
                             <a:srgbClr val="2C3E50"/>
                           </a:solidFill>
                         </a:rPr>
                         <a:t>pc.bios</a:t>
                       </a:r>
-                      <a:endParaRPr lang="" altLang="zh-CN" sz="1400" b="1">
+                      <a:endParaRPr lang="en-US" altLang="zh-CN" sz="1400" b="1">
                         <a:solidFill>
                           <a:srgbClr val="2C3E50"/>
                         </a:solidFill>
@@ -5921,14 +5921,14 @@
                         <a:buNone/>
                       </a:pPr>
                       <a:r>
-                        <a:rPr lang="" altLang="zh-CN" sz="1400" b="1">
+                        <a:rPr lang="en-US" altLang="zh-CN" sz="1400" b="1">
                           <a:solidFill>
                             <a:srgbClr val="2C3E50"/>
                           </a:solidFill>
                         </a:rPr>
                         <a:t>pc.rom</a:t>
                       </a:r>
-                      <a:endParaRPr lang="" altLang="zh-CN" sz="1400" b="1">
+                      <a:endParaRPr lang="en-US" altLang="zh-CN" sz="1400" b="1">
                         <a:solidFill>
                           <a:srgbClr val="2C3E50"/>
                         </a:solidFill>
@@ -5975,7 +5975,7 @@
                       <a:pPr algn="ctr">
                         <a:buNone/>
                       </a:pPr>
-                      <a:endParaRPr lang="" altLang="zh-CN" sz="1400" b="1">
+                      <a:endParaRPr lang="en-US" altLang="zh-CN" sz="1400" b="1">
                         <a:solidFill>
                           <a:srgbClr val="2C3E50"/>
                         </a:solidFill>
@@ -6023,14 +6023,14 @@
                         <a:buNone/>
                       </a:pPr>
                       <a:r>
-                        <a:rPr lang="" altLang="zh-CN" sz="1400" b="1">
+                        <a:rPr lang="en-US" altLang="zh-CN" sz="1400" b="1">
                           <a:solidFill>
                             <a:srgbClr val="2C3E50"/>
                           </a:solidFill>
                         </a:rPr>
                         <a:t>vga.vram</a:t>
                       </a:r>
-                      <a:endParaRPr lang="" altLang="zh-CN" sz="1400" b="1">
+                      <a:endParaRPr lang="en-US" altLang="zh-CN" sz="1400" b="1">
                         <a:solidFill>
                           <a:srgbClr val="2C3E50"/>
                         </a:solidFill>
@@ -6078,14 +6078,14 @@
                         <a:buNone/>
                       </a:pPr>
                       <a:r>
-                        <a:rPr lang="" altLang="zh-CN" sz="1400" b="1">
+                        <a:rPr lang="en-US" altLang="zh-CN" sz="1400" b="1">
                           <a:solidFill>
                             <a:srgbClr val="2C3E50"/>
                           </a:solidFill>
                         </a:rPr>
                         <a:t>vga.rom</a:t>
                       </a:r>
-                      <a:endParaRPr lang="" altLang="zh-CN" sz="1400" b="1">
+                      <a:endParaRPr lang="en-US" altLang="zh-CN" sz="1400" b="1">
                         <a:solidFill>
                           <a:srgbClr val="2C3E50"/>
                         </a:solidFill>
@@ -6132,7 +6132,7 @@
                       <a:pPr algn="ctr">
                         <a:buNone/>
                       </a:pPr>
-                      <a:endParaRPr lang="" altLang="zh-CN" sz="1400" b="1">
+                      <a:endParaRPr lang="en-US" altLang="zh-CN" sz="1400" b="1">
                         <a:solidFill>
                           <a:srgbClr val="2C3E50"/>
                         </a:solidFill>
@@ -6180,14 +6180,14 @@
                         <a:buNone/>
                       </a:pPr>
                       <a:r>
-                        <a:rPr lang="" altLang="zh-CN" sz="1400" b="1">
+                        <a:rPr lang="en-US" altLang="zh-CN" sz="1400" b="1">
                           <a:solidFill>
                             <a:srgbClr val="2C3E50"/>
                           </a:solidFill>
                         </a:rPr>
                         <a:t>e100.rom</a:t>
                       </a:r>
-                      <a:endParaRPr lang="" altLang="zh-CN" sz="1400" b="1">
+                      <a:endParaRPr lang="en-US" altLang="zh-CN" sz="1400" b="1">
                         <a:solidFill>
                           <a:srgbClr val="2C3E50"/>
                         </a:solidFill>
@@ -6235,14 +6235,14 @@
                         <a:buNone/>
                       </a:pPr>
                       <a:r>
-                        <a:rPr lang="" altLang="zh-CN" sz="1400" b="1">
+                        <a:rPr lang="en-US" altLang="zh-CN" sz="1400" b="1">
                           <a:solidFill>
                             <a:srgbClr val="2C3E50"/>
                           </a:solidFill>
                         </a:rPr>
                         <a:t>/rom@/etc/apci/table</a:t>
                       </a:r>
-                      <a:endParaRPr lang="" altLang="zh-CN" sz="1400" b="1">
+                      <a:endParaRPr lang="en-US" altLang="zh-CN" sz="1400" b="1">
                         <a:solidFill>
                           <a:srgbClr val="2C3E50"/>
                         </a:solidFill>
@@ -6290,14 +6290,14 @@
                         <a:buNone/>
                       </a:pPr>
                       <a:r>
-                        <a:rPr lang="" altLang="zh-CN" sz="1400" b="1">
+                        <a:rPr lang="en-US" altLang="zh-CN" sz="1400" b="1">
                           <a:solidFill>
                             <a:srgbClr val="2C3E50"/>
                           </a:solidFill>
                         </a:rPr>
                         <a:t>/rom@etc/table-loader</a:t>
                       </a:r>
-                      <a:endParaRPr lang="" altLang="zh-CN" sz="1400" b="1">
+                      <a:endParaRPr lang="en-US" altLang="zh-CN" sz="1400" b="1">
                         <a:solidFill>
                           <a:srgbClr val="2C3E50"/>
                         </a:solidFill>
@@ -6392,14 +6392,14 @@
                         <a:buNone/>
                       </a:pPr>
                       <a:r>
-                        <a:rPr lang="" altLang="zh-CN" sz="1400" b="1">
+                        <a:rPr lang="en-US" altLang="zh-CN" sz="1400" b="1">
                           <a:solidFill>
                             <a:srgbClr val="2C3E50"/>
                           </a:solidFill>
                         </a:rPr>
                         <a:t>/rom@etc/acpi/rdsp</a:t>
                       </a:r>
-                      <a:endParaRPr lang="" altLang="zh-CN" sz="1400" b="1">
+                      <a:endParaRPr lang="en-US" altLang="zh-CN" sz="1400" b="1">
                         <a:solidFill>
                           <a:srgbClr val="2C3E50"/>
                         </a:solidFill>
@@ -6462,6 +6462,83 @@
         <p:nvPr/>
       </p:nvGrpSpPr>
       <p:grpSpPr/>
+      <p:pic>
+        <p:nvPicPr>
+          <p:cNvPr id="2" name="图片 1"/>
+          <p:cNvPicPr>
+            <a:picLocks noChangeAspect="true"/>
+          </p:cNvPicPr>
+          <p:nvPr/>
+        </p:nvPicPr>
+        <p:blipFill>
+          <a:blip r:embed="rId1"/>
+          <a:stretch>
+            <a:fillRect/>
+          </a:stretch>
+        </p:blipFill>
+        <p:spPr>
+          <a:xfrm>
+            <a:off x="2811780" y="424815"/>
+            <a:ext cx="8749665" cy="6236970"/>
+          </a:xfrm>
+          <a:prstGeom prst="rect">
+            <a:avLst/>
+          </a:prstGeom>
+        </p:spPr>
+      </p:pic>
+      <p:sp>
+        <p:nvSpPr>
+          <p:cNvPr id="4" name="文本框 3"/>
+          <p:cNvSpPr txBox="true"/>
+          <p:nvPr/>
+        </p:nvSpPr>
+        <p:spPr>
+          <a:xfrm>
+            <a:off x="842010" y="554355"/>
+            <a:ext cx="2124710" cy="368300"/>
+          </a:xfrm>
+          <a:prstGeom prst="rect">
+            <a:avLst/>
+          </a:prstGeom>
+          <a:noFill/>
+        </p:spPr>
+        <p:txBody>
+          <a:bodyPr wrap="none" rtlCol="0">
+            <a:spAutoFit/>
+          </a:bodyPr>
+          <a:p>
+            <a:r>
+              <a:rPr lang="en-US" altLang="zh-CN" b="1">
+                <a:solidFill>
+                  <a:srgbClr val="2C3E50"/>
+                </a:solidFill>
+              </a:rPr>
+              <a:t>QEMU</a:t>
+            </a:r>
+            <a:r>
+              <a:rPr lang="" altLang="en-US" b="1">
+                <a:solidFill>
+                  <a:srgbClr val="2C3E50"/>
+                </a:solidFill>
+              </a:rPr>
+              <a:t> </a:t>
+            </a:r>
+            <a:r>
+              <a:rPr lang="" altLang="zh-CN" b="1">
+                <a:solidFill>
+                  <a:srgbClr val="2C3E50"/>
+                </a:solidFill>
+              </a:rPr>
+              <a:t>TAP/TUN</a:t>
+            </a:r>
+            <a:endParaRPr lang="" altLang="zh-CN" b="1">
+              <a:solidFill>
+                <a:srgbClr val="2C3E50"/>
+              </a:solidFill>
+            </a:endParaRPr>
+          </a:p>
+        </p:txBody>
+      </p:sp>
     </p:spTree>
   </p:cSld>
   <p:clrMapOvr>

--- a/picture/qemu/qemu.pptx
+++ b/picture/qemu/qemu.pptx
@@ -17,7 +17,7 @@
     <p:sldId id="259" r:id="rId6"/>
     <p:sldId id="260" r:id="rId7"/>
     <p:sldId id="261" r:id="rId8"/>
-    <p:sldId id="262" r:id="rId9"/>
+    <p:sldId id="265" r:id="rId9"/>
     <p:sldId id="263" r:id="rId10"/>
     <p:sldId id="264" r:id="rId11"/>
   </p:sldIdLst>
@@ -6462,30 +6462,6 @@
         <p:nvPr/>
       </p:nvGrpSpPr>
       <p:grpSpPr/>
-      <p:pic>
-        <p:nvPicPr>
-          <p:cNvPr id="2" name="图片 1"/>
-          <p:cNvPicPr>
-            <a:picLocks noChangeAspect="true"/>
-          </p:cNvPicPr>
-          <p:nvPr/>
-        </p:nvPicPr>
-        <p:blipFill>
-          <a:blip r:embed="rId1"/>
-          <a:stretch>
-            <a:fillRect/>
-          </a:stretch>
-        </p:blipFill>
-        <p:spPr>
-          <a:xfrm>
-            <a:off x="2811780" y="424815"/>
-            <a:ext cx="8749665" cy="6236970"/>
-          </a:xfrm>
-          <a:prstGeom prst="rect">
-            <a:avLst/>
-          </a:prstGeom>
-        </p:spPr>
-      </p:pic>
       <p:sp>
         <p:nvSpPr>
           <p:cNvPr id="4" name="文本框 3"/>
@@ -6495,7 +6471,7 @@
         <p:spPr>
           <a:xfrm>
             <a:off x="842010" y="554355"/>
-            <a:ext cx="2124710" cy="368300"/>
+            <a:ext cx="2662555" cy="368300"/>
           </a:xfrm>
           <a:prstGeom prst="rect">
             <a:avLst/>
@@ -6516,7 +6492,7 @@
               <a:t>QEMU</a:t>
             </a:r>
             <a:r>
-              <a:rPr lang="" altLang="en-US" b="1">
+              <a:rPr lang="en-US" altLang="en-US" b="1">
                 <a:solidFill>
                   <a:srgbClr val="2C3E50"/>
                 </a:solidFill>
@@ -6524,14 +6500,30 @@
               <a:t> </a:t>
             </a:r>
             <a:r>
-              <a:rPr lang="" altLang="zh-CN" b="1">
+              <a:rPr lang="en-US" altLang="zh-CN" b="1">
                 <a:solidFill>
                   <a:srgbClr val="2C3E50"/>
                 </a:solidFill>
               </a:rPr>
               <a:t>TAP/TUN</a:t>
             </a:r>
-            <a:endParaRPr lang="" altLang="zh-CN" b="1">
+            <a:r>
+              <a:rPr lang="en-US" altLang="en-US" b="1">
+                <a:solidFill>
+                  <a:srgbClr val="2C3E50"/>
+                </a:solidFill>
+              </a:rPr>
+              <a:t> </a:t>
+            </a:r>
+            <a:r>
+              <a:rPr lang="zh-CN" altLang="en-US" b="1">
+                <a:solidFill>
+                  <a:srgbClr val="2C3E50"/>
+                </a:solidFill>
+              </a:rPr>
+              <a:t>原理</a:t>
+            </a:r>
+            <a:endParaRPr lang="zh-CN" altLang="en-US" b="1">
               <a:solidFill>
                 <a:srgbClr val="2C3E50"/>
               </a:solidFill>
@@ -6539,6 +6531,921 @@
           </a:p>
         </p:txBody>
       </p:sp>
+      <p:cxnSp>
+        <p:nvCxnSpPr>
+          <p:cNvPr id="3" name="直接连接符 2"/>
+          <p:cNvCxnSpPr/>
+          <p:nvPr/>
+        </p:nvCxnSpPr>
+        <p:spPr>
+          <a:xfrm>
+            <a:off x="1479550" y="2220595"/>
+            <a:ext cx="8960485" cy="5715"/>
+          </a:xfrm>
+          <a:prstGeom prst="line">
+            <a:avLst/>
+          </a:prstGeom>
+          <a:ln w="38100">
+            <a:solidFill>
+              <a:srgbClr val="3EAF7C"/>
+            </a:solidFill>
+            <a:prstDash val="sysDash"/>
+          </a:ln>
+        </p:spPr>
+        <p:style>
+          <a:lnRef idx="1">
+            <a:schemeClr val="accent1"/>
+          </a:lnRef>
+          <a:fillRef idx="0">
+            <a:schemeClr val="accent1"/>
+          </a:fillRef>
+          <a:effectRef idx="0">
+            <a:schemeClr val="accent1"/>
+          </a:effectRef>
+          <a:fontRef idx="minor">
+            <a:schemeClr val="tx1"/>
+          </a:fontRef>
+        </p:style>
+      </p:cxnSp>
+      <p:sp>
+        <p:nvSpPr>
+          <p:cNvPr id="5" name="矩形 4"/>
+          <p:cNvSpPr/>
+          <p:nvPr/>
+        </p:nvSpPr>
+        <p:spPr>
+          <a:xfrm>
+            <a:off x="4072255" y="1302385"/>
+            <a:ext cx="1600835" cy="427990"/>
+          </a:xfrm>
+          <a:prstGeom prst="rect">
+            <a:avLst/>
+          </a:prstGeom>
+          <a:noFill/>
+          <a:ln w="38100">
+            <a:solidFill>
+              <a:srgbClr val="2C3E50"/>
+            </a:solidFill>
+          </a:ln>
+          <a:extLst>
+            <a:ext uri="{909E8E84-426E-40DD-AFC4-6F175D3DCCD1}">
+              <a14:hiddenFill xmlns:a14="http://schemas.microsoft.com/office/drawing/2010/main">
+                <a:solidFill>
+                  <a:schemeClr val="accent1"/>
+                </a:solidFill>
+              </a14:hiddenFill>
+            </a:ext>
+          </a:extLst>
+        </p:spPr>
+        <p:style>
+          <a:lnRef idx="2">
+            <a:schemeClr val="accent1">
+              <a:shade val="50000"/>
+            </a:schemeClr>
+          </a:lnRef>
+          <a:fillRef idx="1">
+            <a:schemeClr val="accent1"/>
+          </a:fillRef>
+          <a:effectRef idx="0">
+            <a:schemeClr val="accent1"/>
+          </a:effectRef>
+          <a:fontRef idx="minor">
+            <a:schemeClr val="lt1"/>
+          </a:fontRef>
+        </p:style>
+        <p:txBody>
+          <a:bodyPr rtlCol="0" anchor="ctr"/>
+          <a:p>
+            <a:pPr algn="ctr"/>
+            <a:r>
+              <a:rPr lang="en-US" sz="1400" b="1">
+                <a:solidFill>
+                  <a:srgbClr val="2C3E50"/>
+                </a:solidFill>
+              </a:rPr>
+              <a:t>Application A</a:t>
+            </a:r>
+            <a:endParaRPr lang="en-US" sz="1400" b="1">
+              <a:solidFill>
+                <a:srgbClr val="2C3E50"/>
+              </a:solidFill>
+            </a:endParaRPr>
+          </a:p>
+        </p:txBody>
+      </p:sp>
+      <p:sp>
+        <p:nvSpPr>
+          <p:cNvPr id="6" name="矩形 5"/>
+          <p:cNvSpPr/>
+          <p:nvPr/>
+        </p:nvSpPr>
+        <p:spPr>
+          <a:xfrm>
+            <a:off x="6130925" y="1302385"/>
+            <a:ext cx="1600835" cy="427990"/>
+          </a:xfrm>
+          <a:prstGeom prst="rect">
+            <a:avLst/>
+          </a:prstGeom>
+          <a:noFill/>
+          <a:ln w="38100">
+            <a:solidFill>
+              <a:srgbClr val="2C3E50"/>
+            </a:solidFill>
+          </a:ln>
+          <a:extLst>
+            <a:ext uri="{909E8E84-426E-40DD-AFC4-6F175D3DCCD1}">
+              <a14:hiddenFill xmlns:a14="http://schemas.microsoft.com/office/drawing/2010/main">
+                <a:solidFill>
+                  <a:schemeClr val="accent1"/>
+                </a:solidFill>
+              </a14:hiddenFill>
+            </a:ext>
+          </a:extLst>
+        </p:spPr>
+        <p:style>
+          <a:lnRef idx="2">
+            <a:schemeClr val="accent1">
+              <a:shade val="50000"/>
+            </a:schemeClr>
+          </a:lnRef>
+          <a:fillRef idx="1">
+            <a:schemeClr val="accent1"/>
+          </a:fillRef>
+          <a:effectRef idx="0">
+            <a:schemeClr val="accent1"/>
+          </a:effectRef>
+          <a:fontRef idx="minor">
+            <a:schemeClr val="lt1"/>
+          </a:fontRef>
+        </p:style>
+        <p:txBody>
+          <a:bodyPr rtlCol="0" anchor="ctr"/>
+          <a:p>
+            <a:pPr algn="ctr"/>
+            <a:r>
+              <a:rPr lang="en-US" sz="1400" b="1">
+                <a:solidFill>
+                  <a:srgbClr val="2C3E50"/>
+                </a:solidFill>
+              </a:rPr>
+              <a:t>Application B</a:t>
+            </a:r>
+            <a:endParaRPr lang="en-US" sz="1400" b="1">
+              <a:solidFill>
+                <a:srgbClr val="2C3E50"/>
+              </a:solidFill>
+            </a:endParaRPr>
+          </a:p>
+        </p:txBody>
+      </p:sp>
+      <p:cxnSp>
+        <p:nvCxnSpPr>
+          <p:cNvPr id="7" name="直接连接符 6"/>
+          <p:cNvCxnSpPr/>
+          <p:nvPr/>
+        </p:nvCxnSpPr>
+        <p:spPr>
+          <a:xfrm>
+            <a:off x="1522095" y="5242560"/>
+            <a:ext cx="8960485" cy="5715"/>
+          </a:xfrm>
+          <a:prstGeom prst="line">
+            <a:avLst/>
+          </a:prstGeom>
+          <a:ln w="38100">
+            <a:solidFill>
+              <a:srgbClr val="3EAF7C"/>
+            </a:solidFill>
+            <a:prstDash val="sysDash"/>
+          </a:ln>
+        </p:spPr>
+        <p:style>
+          <a:lnRef idx="1">
+            <a:schemeClr val="accent1"/>
+          </a:lnRef>
+          <a:fillRef idx="0">
+            <a:schemeClr val="accent1"/>
+          </a:fillRef>
+          <a:effectRef idx="0">
+            <a:schemeClr val="accent1"/>
+          </a:effectRef>
+          <a:fontRef idx="minor">
+            <a:schemeClr val="tx1"/>
+          </a:fontRef>
+        </p:style>
+      </p:cxnSp>
+      <p:sp>
+        <p:nvSpPr>
+          <p:cNvPr id="8" name="矩形 7"/>
+          <p:cNvSpPr/>
+          <p:nvPr/>
+        </p:nvSpPr>
+        <p:spPr>
+          <a:xfrm>
+            <a:off x="4072255" y="5579745"/>
+            <a:ext cx="3658870" cy="427990"/>
+          </a:xfrm>
+          <a:prstGeom prst="rect">
+            <a:avLst/>
+          </a:prstGeom>
+          <a:noFill/>
+          <a:ln w="38100">
+            <a:solidFill>
+              <a:srgbClr val="2C3E50"/>
+            </a:solidFill>
+          </a:ln>
+          <a:extLst>
+            <a:ext uri="{909E8E84-426E-40DD-AFC4-6F175D3DCCD1}">
+              <a14:hiddenFill xmlns:a14="http://schemas.microsoft.com/office/drawing/2010/main">
+                <a:solidFill>
+                  <a:schemeClr val="accent1"/>
+                </a:solidFill>
+              </a14:hiddenFill>
+            </a:ext>
+          </a:extLst>
+        </p:spPr>
+        <p:style>
+          <a:lnRef idx="2">
+            <a:schemeClr val="accent1">
+              <a:shade val="50000"/>
+            </a:schemeClr>
+          </a:lnRef>
+          <a:fillRef idx="1">
+            <a:schemeClr val="accent1"/>
+          </a:fillRef>
+          <a:effectRef idx="0">
+            <a:schemeClr val="accent1"/>
+          </a:effectRef>
+          <a:fontRef idx="minor">
+            <a:schemeClr val="lt1"/>
+          </a:fontRef>
+        </p:style>
+        <p:txBody>
+          <a:bodyPr rtlCol="0" anchor="ctr"/>
+          <a:p>
+            <a:pPr algn="ctr"/>
+            <a:r>
+              <a:rPr lang="" altLang="en-US" sz="1400" b="1">
+                <a:solidFill>
+                  <a:srgbClr val="2C3E50"/>
+                </a:solidFill>
+              </a:rPr>
+              <a:t>Physical Network</a:t>
+            </a:r>
+            <a:endParaRPr lang="" altLang="en-US" sz="1400" b="1">
+              <a:solidFill>
+                <a:srgbClr val="2C3E50"/>
+              </a:solidFill>
+            </a:endParaRPr>
+          </a:p>
+        </p:txBody>
+      </p:sp>
+      <p:sp>
+        <p:nvSpPr>
+          <p:cNvPr id="9" name="矩形 8"/>
+          <p:cNvSpPr/>
+          <p:nvPr/>
+        </p:nvSpPr>
+        <p:spPr>
+          <a:xfrm>
+            <a:off x="4552950" y="3416935"/>
+            <a:ext cx="2800350" cy="427990"/>
+          </a:xfrm>
+          <a:prstGeom prst="rect">
+            <a:avLst/>
+          </a:prstGeom>
+          <a:noFill/>
+          <a:ln w="38100">
+            <a:solidFill>
+              <a:srgbClr val="2C3E50"/>
+            </a:solidFill>
+          </a:ln>
+          <a:extLst>
+            <a:ext uri="{909E8E84-426E-40DD-AFC4-6F175D3DCCD1}">
+              <a14:hiddenFill xmlns:a14="http://schemas.microsoft.com/office/drawing/2010/main">
+                <a:solidFill>
+                  <a:schemeClr val="accent1"/>
+                </a:solidFill>
+              </a14:hiddenFill>
+            </a:ext>
+          </a:extLst>
+        </p:spPr>
+        <p:style>
+          <a:lnRef idx="2">
+            <a:schemeClr val="accent1">
+              <a:shade val="50000"/>
+            </a:schemeClr>
+          </a:lnRef>
+          <a:fillRef idx="1">
+            <a:schemeClr val="accent1"/>
+          </a:fillRef>
+          <a:effectRef idx="0">
+            <a:schemeClr val="accent1"/>
+          </a:effectRef>
+          <a:fontRef idx="minor">
+            <a:schemeClr val="lt1"/>
+          </a:fontRef>
+        </p:style>
+        <p:txBody>
+          <a:bodyPr rtlCol="0" anchor="ctr"/>
+          <a:p>
+            <a:pPr algn="ctr"/>
+            <a:r>
+              <a:rPr lang="" altLang="en-US" sz="1400" b="1">
+                <a:solidFill>
+                  <a:srgbClr val="2C3E50"/>
+                </a:solidFill>
+              </a:rPr>
+              <a:t>Network Protocal Stack</a:t>
+            </a:r>
+            <a:endParaRPr lang="" altLang="en-US" sz="1400" b="1">
+              <a:solidFill>
+                <a:srgbClr val="2C3E50"/>
+              </a:solidFill>
+            </a:endParaRPr>
+          </a:p>
+        </p:txBody>
+      </p:sp>
+      <p:sp>
+        <p:nvSpPr>
+          <p:cNvPr id="10" name="矩形 9"/>
+          <p:cNvSpPr/>
+          <p:nvPr/>
+        </p:nvSpPr>
+        <p:spPr>
+          <a:xfrm>
+            <a:off x="4216400" y="4378325"/>
+            <a:ext cx="1311910" cy="427990"/>
+          </a:xfrm>
+          <a:prstGeom prst="rect">
+            <a:avLst/>
+          </a:prstGeom>
+          <a:noFill/>
+          <a:ln w="38100">
+            <a:solidFill>
+              <a:srgbClr val="2C3E50"/>
+            </a:solidFill>
+          </a:ln>
+          <a:extLst>
+            <a:ext uri="{909E8E84-426E-40DD-AFC4-6F175D3DCCD1}">
+              <a14:hiddenFill xmlns:a14="http://schemas.microsoft.com/office/drawing/2010/main">
+                <a:solidFill>
+                  <a:schemeClr val="accent1"/>
+                </a:solidFill>
+              </a14:hiddenFill>
+            </a:ext>
+          </a:extLst>
+        </p:spPr>
+        <p:style>
+          <a:lnRef idx="2">
+            <a:schemeClr val="accent1">
+              <a:shade val="50000"/>
+            </a:schemeClr>
+          </a:lnRef>
+          <a:fillRef idx="1">
+            <a:schemeClr val="accent1"/>
+          </a:fillRef>
+          <a:effectRef idx="0">
+            <a:schemeClr val="accent1"/>
+          </a:effectRef>
+          <a:fontRef idx="minor">
+            <a:schemeClr val="lt1"/>
+          </a:fontRef>
+        </p:style>
+        <p:txBody>
+          <a:bodyPr rtlCol="0" anchor="ctr"/>
+          <a:p>
+            <a:pPr algn="ctr"/>
+            <a:r>
+              <a:rPr lang="" altLang="en-US" sz="1400" b="1">
+                <a:solidFill>
+                  <a:srgbClr val="2C3E50"/>
+                </a:solidFill>
+              </a:rPr>
+              <a:t>eth0</a:t>
+            </a:r>
+            <a:endParaRPr lang="" altLang="en-US" sz="1400" b="1">
+              <a:solidFill>
+                <a:srgbClr val="2C3E50"/>
+              </a:solidFill>
+            </a:endParaRPr>
+          </a:p>
+        </p:txBody>
+      </p:sp>
+      <p:sp>
+        <p:nvSpPr>
+          <p:cNvPr id="11" name="矩形 10"/>
+          <p:cNvSpPr/>
+          <p:nvPr/>
+        </p:nvSpPr>
+        <p:spPr>
+          <a:xfrm>
+            <a:off x="6275070" y="4378325"/>
+            <a:ext cx="1311910" cy="427990"/>
+          </a:xfrm>
+          <a:prstGeom prst="rect">
+            <a:avLst/>
+          </a:prstGeom>
+          <a:noFill/>
+          <a:ln w="38100">
+            <a:solidFill>
+              <a:srgbClr val="2C3E50"/>
+            </a:solidFill>
+          </a:ln>
+          <a:extLst>
+            <a:ext uri="{909E8E84-426E-40DD-AFC4-6F175D3DCCD1}">
+              <a14:hiddenFill xmlns:a14="http://schemas.microsoft.com/office/drawing/2010/main">
+                <a:solidFill>
+                  <a:schemeClr val="accent1"/>
+                </a:solidFill>
+              </a14:hiddenFill>
+            </a:ext>
+          </a:extLst>
+        </p:spPr>
+        <p:style>
+          <a:lnRef idx="2">
+            <a:schemeClr val="accent1">
+              <a:shade val="50000"/>
+            </a:schemeClr>
+          </a:lnRef>
+          <a:fillRef idx="1">
+            <a:schemeClr val="accent1"/>
+          </a:fillRef>
+          <a:effectRef idx="0">
+            <a:schemeClr val="accent1"/>
+          </a:effectRef>
+          <a:fontRef idx="minor">
+            <a:schemeClr val="lt1"/>
+          </a:fontRef>
+        </p:style>
+        <p:txBody>
+          <a:bodyPr rtlCol="0" anchor="ctr"/>
+          <a:p>
+            <a:pPr algn="ctr"/>
+            <a:r>
+              <a:rPr lang="" altLang="en-US" sz="1400" b="1">
+                <a:solidFill>
+                  <a:srgbClr val="2C3E50"/>
+                </a:solidFill>
+              </a:rPr>
+              <a:t>tun/tap</a:t>
+            </a:r>
+            <a:endParaRPr lang="" altLang="en-US" sz="1400" b="1">
+              <a:solidFill>
+                <a:srgbClr val="2C3E50"/>
+              </a:solidFill>
+            </a:endParaRPr>
+          </a:p>
+        </p:txBody>
+      </p:sp>
+      <p:sp>
+        <p:nvSpPr>
+          <p:cNvPr id="12" name="矩形 11"/>
+          <p:cNvSpPr/>
+          <p:nvPr/>
+        </p:nvSpPr>
+        <p:spPr>
+          <a:xfrm>
+            <a:off x="4217035" y="2607945"/>
+            <a:ext cx="1311910" cy="427990"/>
+          </a:xfrm>
+          <a:prstGeom prst="rect">
+            <a:avLst/>
+          </a:prstGeom>
+          <a:noFill/>
+          <a:ln w="38100">
+            <a:solidFill>
+              <a:srgbClr val="2C3E50"/>
+            </a:solidFill>
+          </a:ln>
+          <a:extLst>
+            <a:ext uri="{909E8E84-426E-40DD-AFC4-6F175D3DCCD1}">
+              <a14:hiddenFill xmlns:a14="http://schemas.microsoft.com/office/drawing/2010/main">
+                <a:solidFill>
+                  <a:schemeClr val="accent1"/>
+                </a:solidFill>
+              </a14:hiddenFill>
+            </a:ext>
+          </a:extLst>
+        </p:spPr>
+        <p:style>
+          <a:lnRef idx="2">
+            <a:schemeClr val="accent1">
+              <a:shade val="50000"/>
+            </a:schemeClr>
+          </a:lnRef>
+          <a:fillRef idx="1">
+            <a:schemeClr val="accent1"/>
+          </a:fillRef>
+          <a:effectRef idx="0">
+            <a:schemeClr val="accent1"/>
+          </a:effectRef>
+          <a:fontRef idx="minor">
+            <a:schemeClr val="lt1"/>
+          </a:fontRef>
+        </p:style>
+        <p:txBody>
+          <a:bodyPr rtlCol="0" anchor="ctr"/>
+          <a:p>
+            <a:pPr algn="ctr"/>
+            <a:r>
+              <a:rPr lang="" altLang="en-US" sz="1400" b="1">
+                <a:solidFill>
+                  <a:srgbClr val="2C3E50"/>
+                </a:solidFill>
+              </a:rPr>
+              <a:t>SocketA</a:t>
+            </a:r>
+            <a:endParaRPr lang="" altLang="en-US" sz="1400" b="1">
+              <a:solidFill>
+                <a:srgbClr val="2C3E50"/>
+              </a:solidFill>
+            </a:endParaRPr>
+          </a:p>
+        </p:txBody>
+      </p:sp>
+      <p:sp>
+        <p:nvSpPr>
+          <p:cNvPr id="13" name="矩形 12"/>
+          <p:cNvSpPr/>
+          <p:nvPr/>
+        </p:nvSpPr>
+        <p:spPr>
+          <a:xfrm>
+            <a:off x="6275070" y="2607945"/>
+            <a:ext cx="1311910" cy="427990"/>
+          </a:xfrm>
+          <a:prstGeom prst="rect">
+            <a:avLst/>
+          </a:prstGeom>
+          <a:noFill/>
+          <a:ln w="38100">
+            <a:solidFill>
+              <a:srgbClr val="2C3E50"/>
+            </a:solidFill>
+          </a:ln>
+          <a:extLst>
+            <a:ext uri="{909E8E84-426E-40DD-AFC4-6F175D3DCCD1}">
+              <a14:hiddenFill xmlns:a14="http://schemas.microsoft.com/office/drawing/2010/main">
+                <a:solidFill>
+                  <a:schemeClr val="accent1"/>
+                </a:solidFill>
+              </a14:hiddenFill>
+            </a:ext>
+          </a:extLst>
+        </p:spPr>
+        <p:style>
+          <a:lnRef idx="2">
+            <a:schemeClr val="accent1">
+              <a:shade val="50000"/>
+            </a:schemeClr>
+          </a:lnRef>
+          <a:fillRef idx="1">
+            <a:schemeClr val="accent1"/>
+          </a:fillRef>
+          <a:effectRef idx="0">
+            <a:schemeClr val="accent1"/>
+          </a:effectRef>
+          <a:fontRef idx="minor">
+            <a:schemeClr val="lt1"/>
+          </a:fontRef>
+        </p:style>
+        <p:txBody>
+          <a:bodyPr rtlCol="0" anchor="ctr"/>
+          <a:p>
+            <a:pPr algn="ctr"/>
+            <a:r>
+              <a:rPr lang="" altLang="en-US" sz="1400" b="1">
+                <a:solidFill>
+                  <a:srgbClr val="2C3E50"/>
+                </a:solidFill>
+              </a:rPr>
+              <a:t>SocketB</a:t>
+            </a:r>
+            <a:endParaRPr lang="" altLang="en-US" sz="1400" b="1">
+              <a:solidFill>
+                <a:srgbClr val="2C3E50"/>
+              </a:solidFill>
+            </a:endParaRPr>
+          </a:p>
+        </p:txBody>
+      </p:sp>
+      <p:cxnSp>
+        <p:nvCxnSpPr>
+          <p:cNvPr id="14" name="直接箭头连接符 13"/>
+          <p:cNvCxnSpPr>
+            <a:stCxn id="5" idx="2"/>
+            <a:endCxn id="12" idx="0"/>
+          </p:cNvCxnSpPr>
+          <p:nvPr/>
+        </p:nvCxnSpPr>
+        <p:spPr>
+          <a:xfrm>
+            <a:off x="4872990" y="1730375"/>
+            <a:ext cx="0" cy="877570"/>
+          </a:xfrm>
+          <a:prstGeom prst="straightConnector1">
+            <a:avLst/>
+          </a:prstGeom>
+          <a:ln w="38100">
+            <a:solidFill>
+              <a:srgbClr val="3EAF7C"/>
+            </a:solidFill>
+            <a:tailEnd type="arrow"/>
+          </a:ln>
+        </p:spPr>
+        <p:style>
+          <a:lnRef idx="1">
+            <a:schemeClr val="accent1"/>
+          </a:lnRef>
+          <a:fillRef idx="0">
+            <a:schemeClr val="accent1"/>
+          </a:fillRef>
+          <a:effectRef idx="0">
+            <a:schemeClr val="accent1"/>
+          </a:effectRef>
+          <a:fontRef idx="minor">
+            <a:schemeClr val="tx1"/>
+          </a:fontRef>
+        </p:style>
+      </p:cxnSp>
+      <p:cxnSp>
+        <p:nvCxnSpPr>
+          <p:cNvPr id="15" name="直接箭头连接符 14"/>
+          <p:cNvCxnSpPr>
+            <a:stCxn id="6" idx="2"/>
+            <a:endCxn id="13" idx="0"/>
+          </p:cNvCxnSpPr>
+          <p:nvPr/>
+        </p:nvCxnSpPr>
+        <p:spPr>
+          <a:xfrm flipH="true">
+            <a:off x="6931025" y="1730375"/>
+            <a:ext cx="635" cy="877570"/>
+          </a:xfrm>
+          <a:prstGeom prst="straightConnector1">
+            <a:avLst/>
+          </a:prstGeom>
+          <a:ln w="38100">
+            <a:solidFill>
+              <a:srgbClr val="CC3300"/>
+            </a:solidFill>
+            <a:tailEnd type="arrow"/>
+          </a:ln>
+        </p:spPr>
+        <p:style>
+          <a:lnRef idx="1">
+            <a:schemeClr val="accent1"/>
+          </a:lnRef>
+          <a:fillRef idx="0">
+            <a:schemeClr val="accent1"/>
+          </a:fillRef>
+          <a:effectRef idx="0">
+            <a:schemeClr val="accent1"/>
+          </a:effectRef>
+          <a:fontRef idx="minor">
+            <a:schemeClr val="tx1"/>
+          </a:fontRef>
+        </p:style>
+      </p:cxnSp>
+      <p:cxnSp>
+        <p:nvCxnSpPr>
+          <p:cNvPr id="16" name="直接箭头连接符 15"/>
+          <p:cNvCxnSpPr>
+            <a:stCxn id="12" idx="2"/>
+          </p:cNvCxnSpPr>
+          <p:nvPr/>
+        </p:nvCxnSpPr>
+        <p:spPr>
+          <a:xfrm>
+            <a:off x="4872990" y="3035935"/>
+            <a:ext cx="635" cy="361950"/>
+          </a:xfrm>
+          <a:prstGeom prst="straightConnector1">
+            <a:avLst/>
+          </a:prstGeom>
+          <a:ln w="38100">
+            <a:solidFill>
+              <a:srgbClr val="3EAF7C"/>
+            </a:solidFill>
+            <a:tailEnd type="arrow"/>
+          </a:ln>
+        </p:spPr>
+        <p:style>
+          <a:lnRef idx="1">
+            <a:schemeClr val="accent1"/>
+          </a:lnRef>
+          <a:fillRef idx="0">
+            <a:schemeClr val="accent1"/>
+          </a:fillRef>
+          <a:effectRef idx="0">
+            <a:schemeClr val="accent1"/>
+          </a:effectRef>
+          <a:fontRef idx="minor">
+            <a:schemeClr val="tx1"/>
+          </a:fontRef>
+        </p:style>
+      </p:cxnSp>
+      <p:cxnSp>
+        <p:nvCxnSpPr>
+          <p:cNvPr id="17" name="直接箭头连接符 16"/>
+          <p:cNvCxnSpPr/>
+          <p:nvPr/>
+        </p:nvCxnSpPr>
+        <p:spPr>
+          <a:xfrm>
+            <a:off x="6931660" y="3090545"/>
+            <a:ext cx="635" cy="361950"/>
+          </a:xfrm>
+          <a:prstGeom prst="straightConnector1">
+            <a:avLst/>
+          </a:prstGeom>
+          <a:ln w="38100">
+            <a:solidFill>
+              <a:srgbClr val="CC3300"/>
+            </a:solidFill>
+            <a:tailEnd type="arrow"/>
+          </a:ln>
+        </p:spPr>
+        <p:style>
+          <a:lnRef idx="1">
+            <a:schemeClr val="accent1"/>
+          </a:lnRef>
+          <a:fillRef idx="0">
+            <a:schemeClr val="accent1"/>
+          </a:fillRef>
+          <a:effectRef idx="0">
+            <a:schemeClr val="accent1"/>
+          </a:effectRef>
+          <a:fontRef idx="minor">
+            <a:schemeClr val="tx1"/>
+          </a:fontRef>
+        </p:style>
+      </p:cxnSp>
+      <p:cxnSp>
+        <p:nvCxnSpPr>
+          <p:cNvPr id="20" name="肘形连接符 19"/>
+          <p:cNvCxnSpPr>
+            <a:stCxn id="11" idx="3"/>
+            <a:endCxn id="6" idx="3"/>
+          </p:cNvCxnSpPr>
+          <p:nvPr/>
+        </p:nvCxnSpPr>
+        <p:spPr>
+          <a:xfrm flipV="true">
+            <a:off x="7586980" y="1516380"/>
+            <a:ext cx="144780" cy="3075940"/>
+          </a:xfrm>
+          <a:prstGeom prst="bentConnector3">
+            <a:avLst>
+              <a:gd name="adj1" fmla="val 659649"/>
+            </a:avLst>
+          </a:prstGeom>
+          <a:ln w="38100">
+            <a:solidFill>
+              <a:srgbClr val="3EAF7C"/>
+            </a:solidFill>
+            <a:tailEnd type="arrow"/>
+          </a:ln>
+        </p:spPr>
+        <p:style>
+          <a:lnRef idx="1">
+            <a:schemeClr val="accent1"/>
+          </a:lnRef>
+          <a:fillRef idx="0">
+            <a:schemeClr val="accent1"/>
+          </a:fillRef>
+          <a:effectRef idx="0">
+            <a:schemeClr val="accent1"/>
+          </a:effectRef>
+          <a:fontRef idx="minor">
+            <a:schemeClr val="tx1"/>
+          </a:fontRef>
+        </p:style>
+      </p:cxnSp>
+      <p:cxnSp>
+        <p:nvCxnSpPr>
+          <p:cNvPr id="24" name="直接箭头连接符 23"/>
+          <p:cNvCxnSpPr>
+            <a:stCxn id="10" idx="2"/>
+          </p:cNvCxnSpPr>
+          <p:nvPr/>
+        </p:nvCxnSpPr>
+        <p:spPr>
+          <a:xfrm flipH="true">
+            <a:off x="4867910" y="4806315"/>
+            <a:ext cx="4445" cy="801370"/>
+          </a:xfrm>
+          <a:prstGeom prst="straightConnector1">
+            <a:avLst/>
+          </a:prstGeom>
+          <a:ln w="38100">
+            <a:solidFill>
+              <a:srgbClr val="CC3300"/>
+            </a:solidFill>
+            <a:tailEnd type="arrow"/>
+          </a:ln>
+        </p:spPr>
+        <p:style>
+          <a:lnRef idx="1">
+            <a:schemeClr val="accent1"/>
+          </a:lnRef>
+          <a:fillRef idx="0">
+            <a:schemeClr val="accent1"/>
+          </a:fillRef>
+          <a:effectRef idx="0">
+            <a:schemeClr val="accent1"/>
+          </a:effectRef>
+          <a:fontRef idx="minor">
+            <a:schemeClr val="tx1"/>
+          </a:fontRef>
+        </p:style>
+      </p:cxnSp>
+      <p:cxnSp>
+        <p:nvCxnSpPr>
+          <p:cNvPr id="26" name="肘形连接符 25"/>
+          <p:cNvCxnSpPr>
+            <a:stCxn id="9" idx="3"/>
+            <a:endCxn id="11" idx="0"/>
+          </p:cNvCxnSpPr>
+          <p:nvPr/>
+        </p:nvCxnSpPr>
+        <p:spPr>
+          <a:xfrm flipH="true">
+            <a:off x="6931025" y="3630930"/>
+            <a:ext cx="422275" cy="747395"/>
+          </a:xfrm>
+          <a:prstGeom prst="bentConnector4">
+            <a:avLst>
+              <a:gd name="adj1" fmla="val -111729"/>
+              <a:gd name="adj2" fmla="val 64316"/>
+            </a:avLst>
+          </a:prstGeom>
+          <a:ln w="38100">
+            <a:solidFill>
+              <a:srgbClr val="3EAF7C"/>
+            </a:solidFill>
+            <a:tailEnd type="arrow"/>
+          </a:ln>
+        </p:spPr>
+        <p:style>
+          <a:lnRef idx="1">
+            <a:schemeClr val="accent1"/>
+          </a:lnRef>
+          <a:fillRef idx="0">
+            <a:schemeClr val="accent1"/>
+          </a:fillRef>
+          <a:effectRef idx="0">
+            <a:schemeClr val="accent1"/>
+          </a:effectRef>
+          <a:fontRef idx="minor">
+            <a:schemeClr val="tx1"/>
+          </a:fontRef>
+        </p:style>
+      </p:cxnSp>
+      <p:cxnSp>
+        <p:nvCxnSpPr>
+          <p:cNvPr id="27" name="肘形连接符 26"/>
+          <p:cNvCxnSpPr>
+            <a:stCxn id="9" idx="1"/>
+            <a:endCxn id="10" idx="0"/>
+          </p:cNvCxnSpPr>
+          <p:nvPr/>
+        </p:nvCxnSpPr>
+        <p:spPr>
+          <a:xfrm rot="10800000" flipH="true" flipV="true">
+            <a:off x="4552950" y="3630930"/>
+            <a:ext cx="319405" cy="747395"/>
+          </a:xfrm>
+          <a:prstGeom prst="bentConnector4">
+            <a:avLst>
+              <a:gd name="adj1" fmla="val -179920"/>
+              <a:gd name="adj2" fmla="val 64316"/>
+            </a:avLst>
+          </a:prstGeom>
+          <a:ln w="38100">
+            <a:solidFill>
+              <a:srgbClr val="C00000"/>
+            </a:solidFill>
+            <a:tailEnd type="arrow"/>
+          </a:ln>
+        </p:spPr>
+        <p:style>
+          <a:lnRef idx="1">
+            <a:schemeClr val="accent1"/>
+          </a:lnRef>
+          <a:fillRef idx="0">
+            <a:schemeClr val="accent1"/>
+          </a:fillRef>
+          <a:effectRef idx="0">
+            <a:schemeClr val="accent1"/>
+          </a:effectRef>
+          <a:fontRef idx="minor">
+            <a:schemeClr val="tx1"/>
+          </a:fontRef>
+        </p:style>
+      </p:cxnSp>
     </p:spTree>
   </p:cSld>
   <p:clrMapOvr>
@@ -6557,6 +7464,1872 @@
         <p:nvPr/>
       </p:nvGrpSpPr>
       <p:grpSpPr/>
+      <p:sp>
+        <p:nvSpPr>
+          <p:cNvPr id="4" name="文本框 3"/>
+          <p:cNvSpPr txBox="true"/>
+          <p:nvPr/>
+        </p:nvSpPr>
+        <p:spPr>
+          <a:xfrm>
+            <a:off x="842010" y="554355"/>
+            <a:ext cx="2662555" cy="368300"/>
+          </a:xfrm>
+          <a:prstGeom prst="rect">
+            <a:avLst/>
+          </a:prstGeom>
+          <a:noFill/>
+        </p:spPr>
+        <p:txBody>
+          <a:bodyPr wrap="none" rtlCol="0">
+            <a:spAutoFit/>
+          </a:bodyPr>
+          <a:p>
+            <a:r>
+              <a:rPr lang="en-US" altLang="zh-CN" b="1">
+                <a:solidFill>
+                  <a:srgbClr val="2C3E50"/>
+                </a:solidFill>
+              </a:rPr>
+              <a:t>QEMU</a:t>
+            </a:r>
+            <a:r>
+              <a:rPr lang="en-US" altLang="en-US" b="1">
+                <a:solidFill>
+                  <a:srgbClr val="2C3E50"/>
+                </a:solidFill>
+              </a:rPr>
+              <a:t> </a:t>
+            </a:r>
+            <a:r>
+              <a:rPr lang="en-US" altLang="zh-CN" b="1">
+                <a:solidFill>
+                  <a:srgbClr val="2C3E50"/>
+                </a:solidFill>
+              </a:rPr>
+              <a:t>TAP/TUN</a:t>
+            </a:r>
+            <a:r>
+              <a:rPr lang="en-US" altLang="en-US" b="1">
+                <a:solidFill>
+                  <a:srgbClr val="2C3E50"/>
+                </a:solidFill>
+              </a:rPr>
+              <a:t> </a:t>
+            </a:r>
+            <a:r>
+              <a:rPr lang="zh-CN" altLang="en-US" b="1">
+                <a:solidFill>
+                  <a:srgbClr val="2C3E50"/>
+                </a:solidFill>
+              </a:rPr>
+              <a:t>实现</a:t>
+            </a:r>
+            <a:endParaRPr lang="zh-CN" altLang="en-US" b="1">
+              <a:solidFill>
+                <a:srgbClr val="2C3E50"/>
+              </a:solidFill>
+            </a:endParaRPr>
+          </a:p>
+        </p:txBody>
+      </p:sp>
+      <p:graphicFrame>
+        <p:nvGraphicFramePr>
+          <p:cNvPr id="2" name="表格 1"/>
+          <p:cNvGraphicFramePr/>
+          <p:nvPr/>
+        </p:nvGraphicFramePr>
+        <p:xfrm>
+          <a:off x="1718310" y="1504315"/>
+          <a:ext cx="1226185" cy="1737360"/>
+        </p:xfrm>
+        <a:graphic>
+          <a:graphicData uri="http://schemas.openxmlformats.org/drawingml/2006/table">
+            <a:tbl>
+              <a:tblPr firstRow="true" bandRow="true">
+                <a:tableStyleId>{5940675A-B579-460E-94D1-54222C63F5DA}</a:tableStyleId>
+              </a:tblPr>
+              <a:tblGrid>
+                <a:gridCol w="1226185"/>
+              </a:tblGrid>
+              <a:tr h="365760">
+                <a:tc>
+                  <a:txBody>
+                    <a:bodyPr/>
+                    <a:p>
+                      <a:pPr algn="ctr">
+                        <a:buNone/>
+                      </a:pPr>
+                      <a:r>
+                        <a:rPr lang="" altLang="zh-CN" sz="1200" b="1">
+                          <a:solidFill>
+                            <a:srgbClr val="2C3E50"/>
+                          </a:solidFill>
+                        </a:rPr>
+                        <a:t>0 NICInfo</a:t>
+                      </a:r>
+                      <a:endParaRPr lang="" altLang="zh-CN" sz="1200" b="1">
+                        <a:solidFill>
+                          <a:srgbClr val="2C3E50"/>
+                        </a:solidFill>
+                      </a:endParaRPr>
+                    </a:p>
+                  </a:txBody>
+                  <a:tcPr anchor="ctr" anchorCtr="false">
+                    <a:lnL w="28575">
+                      <a:solidFill>
+                        <a:srgbClr val="2C3E50"/>
+                      </a:solidFill>
+                      <a:prstDash val="solid"/>
+                    </a:lnL>
+                    <a:lnR w="28575">
+                      <a:solidFill>
+                        <a:srgbClr val="2C3E50"/>
+                      </a:solidFill>
+                      <a:prstDash val="solid"/>
+                    </a:lnR>
+                    <a:lnT w="28575">
+                      <a:solidFill>
+                        <a:srgbClr val="2C3E50"/>
+                      </a:solidFill>
+                      <a:prstDash val="solid"/>
+                    </a:lnT>
+                    <a:lnB w="28575">
+                      <a:solidFill>
+                        <a:srgbClr val="2C3E50"/>
+                      </a:solidFill>
+                      <a:prstDash val="solid"/>
+                    </a:lnB>
+                    <a:lnTlToBr>
+                      <a:noFill/>
+                    </a:lnTlToBr>
+                    <a:lnBlToTr>
+                      <a:noFill/>
+                    </a:lnBlToTr>
+                  </a:tcPr>
+                </a:tc>
+              </a:tr>
+              <a:tr h="365760">
+                <a:tc>
+                  <a:txBody>
+                    <a:bodyPr/>
+                    <a:p>
+                      <a:pPr algn="ctr">
+                        <a:buNone/>
+                      </a:pPr>
+                      <a:r>
+                        <a:rPr lang="" altLang="zh-CN" sz="1200" b="1">
+                          <a:solidFill>
+                            <a:srgbClr val="2C3E50"/>
+                          </a:solidFill>
+                        </a:rPr>
+                        <a:t>1 NICInfo</a:t>
+                      </a:r>
+                      <a:endParaRPr lang="" altLang="zh-CN" sz="1200" b="1">
+                        <a:solidFill>
+                          <a:srgbClr val="2C3E50"/>
+                        </a:solidFill>
+                      </a:endParaRPr>
+                    </a:p>
+                  </a:txBody>
+                  <a:tcPr anchor="ctr" anchorCtr="false">
+                    <a:lnL w="28575">
+                      <a:solidFill>
+                        <a:srgbClr val="2C3E50"/>
+                      </a:solidFill>
+                      <a:prstDash val="solid"/>
+                    </a:lnL>
+                    <a:lnR w="28575">
+                      <a:solidFill>
+                        <a:srgbClr val="2C3E50"/>
+                      </a:solidFill>
+                      <a:prstDash val="solid"/>
+                    </a:lnR>
+                    <a:lnT w="28575">
+                      <a:solidFill>
+                        <a:srgbClr val="2C3E50"/>
+                      </a:solidFill>
+                      <a:prstDash val="solid"/>
+                    </a:lnT>
+                    <a:lnB w="28575">
+                      <a:solidFill>
+                        <a:srgbClr val="2C3E50"/>
+                      </a:solidFill>
+                      <a:prstDash val="solid"/>
+                    </a:lnB>
+                    <a:lnTlToBr>
+                      <a:noFill/>
+                    </a:lnTlToBr>
+                    <a:lnBlToTr>
+                      <a:noFill/>
+                    </a:lnBlToTr>
+                  </a:tcPr>
+                </a:tc>
+              </a:tr>
+              <a:tr h="551180">
+                <a:tc>
+                  <a:txBody>
+                    <a:bodyPr/>
+                    <a:p>
+                      <a:pPr algn="ctr">
+                        <a:buNone/>
+                      </a:pPr>
+                      <a:r>
+                        <a:rPr lang="" altLang="zh-CN" sz="1200" b="1">
+                          <a:solidFill>
+                            <a:srgbClr val="2C3E50"/>
+                          </a:solidFill>
+                        </a:rPr>
+                        <a:t>.</a:t>
+                      </a:r>
+                      <a:endParaRPr lang="" altLang="zh-CN" sz="1200" b="1">
+                        <a:solidFill>
+                          <a:srgbClr val="2C3E50"/>
+                        </a:solidFill>
+                      </a:endParaRPr>
+                    </a:p>
+                    <a:p>
+                      <a:pPr algn="ctr">
+                        <a:buNone/>
+                      </a:pPr>
+                      <a:r>
+                        <a:rPr lang="" altLang="zh-CN" sz="1200" b="1">
+                          <a:solidFill>
+                            <a:srgbClr val="2C3E50"/>
+                          </a:solidFill>
+                        </a:rPr>
+                        <a:t>.</a:t>
+                      </a:r>
+                      <a:endParaRPr lang="" altLang="zh-CN" sz="1200" b="1">
+                        <a:solidFill>
+                          <a:srgbClr val="2C3E50"/>
+                        </a:solidFill>
+                      </a:endParaRPr>
+                    </a:p>
+                    <a:p>
+                      <a:pPr algn="ctr">
+                        <a:buNone/>
+                      </a:pPr>
+                      <a:r>
+                        <a:rPr lang="" altLang="zh-CN" sz="1200" b="1">
+                          <a:solidFill>
+                            <a:srgbClr val="2C3E50"/>
+                          </a:solidFill>
+                        </a:rPr>
+                        <a:t>.</a:t>
+                      </a:r>
+                      <a:endParaRPr lang="" altLang="zh-CN" sz="1200" b="1">
+                        <a:solidFill>
+                          <a:srgbClr val="2C3E50"/>
+                        </a:solidFill>
+                      </a:endParaRPr>
+                    </a:p>
+                  </a:txBody>
+                  <a:tcPr anchor="ctr" anchorCtr="false">
+                    <a:lnL w="28575">
+                      <a:solidFill>
+                        <a:srgbClr val="2C3E50"/>
+                      </a:solidFill>
+                      <a:prstDash val="solid"/>
+                    </a:lnL>
+                    <a:lnR w="28575">
+                      <a:solidFill>
+                        <a:srgbClr val="2C3E50"/>
+                      </a:solidFill>
+                      <a:prstDash val="solid"/>
+                    </a:lnR>
+                    <a:lnT w="28575">
+                      <a:solidFill>
+                        <a:srgbClr val="2C3E50"/>
+                      </a:solidFill>
+                      <a:prstDash val="solid"/>
+                    </a:lnT>
+                    <a:lnB w="28575">
+                      <a:solidFill>
+                        <a:srgbClr val="2C3E50"/>
+                      </a:solidFill>
+                      <a:prstDash val="solid"/>
+                    </a:lnB>
+                    <a:lnTlToBr>
+                      <a:noFill/>
+                    </a:lnTlToBr>
+                    <a:lnBlToTr>
+                      <a:noFill/>
+                    </a:lnBlToTr>
+                  </a:tcPr>
+                </a:tc>
+              </a:tr>
+              <a:tr h="365760">
+                <a:tc>
+                  <a:txBody>
+                    <a:bodyPr/>
+                    <a:p>
+                      <a:pPr algn="ctr">
+                        <a:buNone/>
+                      </a:pPr>
+                      <a:r>
+                        <a:rPr lang="" altLang="zh-CN" sz="1200" b="1">
+                          <a:solidFill>
+                            <a:srgbClr val="2C3E50"/>
+                          </a:solidFill>
+                        </a:rPr>
+                        <a:t>7 NICInfo</a:t>
+                      </a:r>
+                      <a:endParaRPr lang="" altLang="zh-CN" sz="1200" b="1">
+                        <a:solidFill>
+                          <a:srgbClr val="2C3E50"/>
+                        </a:solidFill>
+                      </a:endParaRPr>
+                    </a:p>
+                  </a:txBody>
+                  <a:tcPr anchor="ctr" anchorCtr="false">
+                    <a:lnL w="28575">
+                      <a:solidFill>
+                        <a:srgbClr val="2C3E50"/>
+                      </a:solidFill>
+                      <a:prstDash val="solid"/>
+                    </a:lnL>
+                    <a:lnR w="28575">
+                      <a:solidFill>
+                        <a:srgbClr val="2C3E50"/>
+                      </a:solidFill>
+                      <a:prstDash val="solid"/>
+                    </a:lnR>
+                    <a:lnT w="28575">
+                      <a:solidFill>
+                        <a:srgbClr val="2C3E50"/>
+                      </a:solidFill>
+                      <a:prstDash val="solid"/>
+                    </a:lnT>
+                    <a:lnB w="28575">
+                      <a:solidFill>
+                        <a:srgbClr val="2C3E50"/>
+                      </a:solidFill>
+                      <a:prstDash val="solid"/>
+                    </a:lnB>
+                    <a:lnTlToBr>
+                      <a:noFill/>
+                    </a:lnTlToBr>
+                    <a:lnBlToTr>
+                      <a:noFill/>
+                    </a:lnBlToTr>
+                  </a:tcPr>
+                </a:tc>
+              </a:tr>
+            </a:tbl>
+          </a:graphicData>
+        </a:graphic>
+      </p:graphicFrame>
+      <p:sp>
+        <p:nvSpPr>
+          <p:cNvPr id="3" name="文本框 2"/>
+          <p:cNvSpPr txBox="true"/>
+          <p:nvPr/>
+        </p:nvSpPr>
+        <p:spPr>
+          <a:xfrm>
+            <a:off x="1656715" y="1136015"/>
+            <a:ext cx="1386205" cy="306705"/>
+          </a:xfrm>
+          <a:prstGeom prst="rect">
+            <a:avLst/>
+          </a:prstGeom>
+          <a:noFill/>
+        </p:spPr>
+        <p:txBody>
+          <a:bodyPr wrap="none" rtlCol="0">
+            <a:spAutoFit/>
+          </a:bodyPr>
+          <a:p>
+            <a:r>
+              <a:rPr lang="" altLang="zh-CN" sz="1400" b="1">
+                <a:solidFill>
+                  <a:srgbClr val="2C3E50"/>
+                </a:solidFill>
+              </a:rPr>
+              <a:t>nid_table[8]</a:t>
+            </a:r>
+            <a:endParaRPr lang="" altLang="zh-CN" sz="1400" b="1">
+              <a:solidFill>
+                <a:srgbClr val="2C3E50"/>
+              </a:solidFill>
+            </a:endParaRPr>
+          </a:p>
+        </p:txBody>
+      </p:sp>
+      <p:sp>
+        <p:nvSpPr>
+          <p:cNvPr id="5" name="文本框 4"/>
+          <p:cNvSpPr txBox="true"/>
+          <p:nvPr/>
+        </p:nvSpPr>
+        <p:spPr>
+          <a:xfrm>
+            <a:off x="4112260" y="1136015"/>
+            <a:ext cx="919480" cy="306705"/>
+          </a:xfrm>
+          <a:prstGeom prst="rect">
+            <a:avLst/>
+          </a:prstGeom>
+          <a:noFill/>
+        </p:spPr>
+        <p:txBody>
+          <a:bodyPr wrap="none" rtlCol="0">
+            <a:spAutoFit/>
+          </a:bodyPr>
+          <a:p>
+            <a:pPr algn="l"/>
+            <a:r>
+              <a:rPr lang="zh-CN" altLang="en-US" sz="1400" b="1">
+                <a:solidFill>
+                  <a:srgbClr val="2C3E50"/>
+                </a:solidFill>
+              </a:rPr>
+              <a:t>NICInfo</a:t>
+            </a:r>
+            <a:endParaRPr lang="zh-CN" altLang="en-US" sz="1400" b="1">
+              <a:solidFill>
+                <a:srgbClr val="2C3E50"/>
+              </a:solidFill>
+            </a:endParaRPr>
+          </a:p>
+        </p:txBody>
+      </p:sp>
+      <p:graphicFrame>
+        <p:nvGraphicFramePr>
+          <p:cNvPr id="6" name="表格 5"/>
+          <p:cNvGraphicFramePr/>
+          <p:nvPr/>
+        </p:nvGraphicFramePr>
+        <p:xfrm>
+          <a:off x="3985895" y="1504315"/>
+          <a:ext cx="1172210" cy="1828800"/>
+        </p:xfrm>
+        <a:graphic>
+          <a:graphicData uri="http://schemas.openxmlformats.org/drawingml/2006/table">
+            <a:tbl>
+              <a:tblPr firstRow="true" bandRow="true">
+                <a:tableStyleId>{5940675A-B579-460E-94D1-54222C63F5DA}</a:tableStyleId>
+              </a:tblPr>
+              <a:tblGrid>
+                <a:gridCol w="1172210"/>
+              </a:tblGrid>
+              <a:tr h="365760">
+                <a:tc>
+                  <a:txBody>
+                    <a:bodyPr/>
+                    <a:p>
+                      <a:pPr algn="ctr">
+                        <a:buNone/>
+                      </a:pPr>
+                      <a:r>
+                        <a:rPr lang="" altLang="zh-CN" sz="1400" b="1">
+                          <a:solidFill>
+                            <a:srgbClr val="2C3E50"/>
+                          </a:solidFill>
+                        </a:rPr>
+                        <a:t>macaddr</a:t>
+                      </a:r>
+                      <a:endParaRPr lang="" altLang="zh-CN" sz="1400" b="1">
+                        <a:solidFill>
+                          <a:srgbClr val="2C3E50"/>
+                        </a:solidFill>
+                      </a:endParaRPr>
+                    </a:p>
+                  </a:txBody>
+                  <a:tcPr anchor="ctr" anchorCtr="false">
+                    <a:lnL w="28575" cmpd="sng">
+                      <a:solidFill>
+                        <a:srgbClr val="2C3E50"/>
+                      </a:solidFill>
+                      <a:prstDash val="solid"/>
+                    </a:lnL>
+                    <a:lnR w="28575" cmpd="sng">
+                      <a:solidFill>
+                        <a:srgbClr val="2C3E50"/>
+                      </a:solidFill>
+                      <a:prstDash val="solid"/>
+                    </a:lnR>
+                    <a:lnT w="28575" cmpd="sng">
+                      <a:solidFill>
+                        <a:srgbClr val="2C3E50"/>
+                      </a:solidFill>
+                      <a:prstDash val="solid"/>
+                    </a:lnT>
+                    <a:lnB w="28575" cmpd="sng">
+                      <a:solidFill>
+                        <a:srgbClr val="2C3E50"/>
+                      </a:solidFill>
+                      <a:prstDash val="solid"/>
+                    </a:lnB>
+                  </a:tcPr>
+                </a:tc>
+              </a:tr>
+              <a:tr h="365760">
+                <a:tc>
+                  <a:txBody>
+                    <a:bodyPr/>
+                    <a:p>
+                      <a:pPr algn="ctr">
+                        <a:buNone/>
+                      </a:pPr>
+                      <a:r>
+                        <a:rPr lang="" altLang="zh-CN" sz="1400" b="1">
+                          <a:solidFill>
+                            <a:srgbClr val="2C3E50"/>
+                          </a:solidFill>
+                        </a:rPr>
+                        <a:t>model</a:t>
+                      </a:r>
+                      <a:endParaRPr lang="" altLang="zh-CN" sz="1400" b="1">
+                        <a:solidFill>
+                          <a:srgbClr val="2C3E50"/>
+                        </a:solidFill>
+                      </a:endParaRPr>
+                    </a:p>
+                  </a:txBody>
+                  <a:tcPr anchor="ctr" anchorCtr="false">
+                    <a:lnL w="28575" cmpd="sng">
+                      <a:solidFill>
+                        <a:srgbClr val="2C3E50"/>
+                      </a:solidFill>
+                      <a:prstDash val="solid"/>
+                    </a:lnL>
+                    <a:lnR w="28575" cmpd="sng">
+                      <a:solidFill>
+                        <a:srgbClr val="2C3E50"/>
+                      </a:solidFill>
+                      <a:prstDash val="solid"/>
+                    </a:lnR>
+                    <a:lnT w="28575" cmpd="sng">
+                      <a:solidFill>
+                        <a:srgbClr val="2C3E50"/>
+                      </a:solidFill>
+                      <a:prstDash val="solid"/>
+                    </a:lnT>
+                    <a:lnB w="28575" cmpd="sng">
+                      <a:solidFill>
+                        <a:srgbClr val="2C3E50"/>
+                      </a:solidFill>
+                      <a:prstDash val="solid"/>
+                    </a:lnB>
+                  </a:tcPr>
+                </a:tc>
+              </a:tr>
+              <a:tr h="365760">
+                <a:tc>
+                  <a:txBody>
+                    <a:bodyPr/>
+                    <a:p>
+                      <a:pPr algn="ctr">
+                        <a:buNone/>
+                      </a:pPr>
+                      <a:r>
+                        <a:rPr lang="" altLang="zh-CN" sz="1400" b="1">
+                          <a:solidFill>
+                            <a:srgbClr val="2C3E50"/>
+                          </a:solidFill>
+                        </a:rPr>
+                        <a:t>netdev</a:t>
+                      </a:r>
+                      <a:endParaRPr lang="" altLang="zh-CN" sz="1400" b="1">
+                        <a:solidFill>
+                          <a:srgbClr val="2C3E50"/>
+                        </a:solidFill>
+                      </a:endParaRPr>
+                    </a:p>
+                  </a:txBody>
+                  <a:tcPr anchor="ctr" anchorCtr="false">
+                    <a:lnL w="28575" cmpd="sng">
+                      <a:solidFill>
+                        <a:srgbClr val="2C3E50"/>
+                      </a:solidFill>
+                      <a:prstDash val="solid"/>
+                    </a:lnL>
+                    <a:lnR w="28575" cmpd="sng">
+                      <a:solidFill>
+                        <a:srgbClr val="2C3E50"/>
+                      </a:solidFill>
+                      <a:prstDash val="solid"/>
+                    </a:lnR>
+                    <a:lnT w="28575" cmpd="sng">
+                      <a:solidFill>
+                        <a:srgbClr val="2C3E50"/>
+                      </a:solidFill>
+                      <a:prstDash val="solid"/>
+                    </a:lnT>
+                    <a:lnB w="28575" cmpd="sng">
+                      <a:solidFill>
+                        <a:srgbClr val="2C3E50"/>
+                      </a:solidFill>
+                      <a:prstDash val="solid"/>
+                    </a:lnB>
+                  </a:tcPr>
+                </a:tc>
+              </a:tr>
+              <a:tr h="731520">
+                <a:tc>
+                  <a:txBody>
+                    <a:bodyPr/>
+                    <a:p>
+                      <a:pPr algn="ctr">
+                        <a:buNone/>
+                      </a:pPr>
+                      <a:r>
+                        <a:rPr lang="" altLang="zh-CN" sz="1400" b="1">
+                          <a:solidFill>
+                            <a:srgbClr val="2C3E50"/>
+                          </a:solidFill>
+                        </a:rPr>
+                        <a:t>.</a:t>
+                      </a:r>
+                      <a:endParaRPr lang="" altLang="zh-CN" sz="1400" b="1">
+                        <a:solidFill>
+                          <a:srgbClr val="2C3E50"/>
+                        </a:solidFill>
+                      </a:endParaRPr>
+                    </a:p>
+                    <a:p>
+                      <a:pPr algn="ctr">
+                        <a:buNone/>
+                      </a:pPr>
+                      <a:r>
+                        <a:rPr lang="" altLang="zh-CN" sz="1400" b="1">
+                          <a:solidFill>
+                            <a:srgbClr val="2C3E50"/>
+                          </a:solidFill>
+                        </a:rPr>
+                        <a:t>.</a:t>
+                      </a:r>
+                      <a:endParaRPr lang="" altLang="zh-CN" sz="1400" b="1">
+                        <a:solidFill>
+                          <a:srgbClr val="2C3E50"/>
+                        </a:solidFill>
+                      </a:endParaRPr>
+                    </a:p>
+                    <a:p>
+                      <a:pPr algn="ctr">
+                        <a:buNone/>
+                      </a:pPr>
+                      <a:r>
+                        <a:rPr lang="" altLang="zh-CN" sz="1400" b="1">
+                          <a:solidFill>
+                            <a:srgbClr val="2C3E50"/>
+                          </a:solidFill>
+                        </a:rPr>
+                        <a:t>.</a:t>
+                      </a:r>
+                      <a:endParaRPr lang="" altLang="zh-CN" sz="1400" b="1">
+                        <a:solidFill>
+                          <a:srgbClr val="2C3E50"/>
+                        </a:solidFill>
+                      </a:endParaRPr>
+                    </a:p>
+                  </a:txBody>
+                  <a:tcPr anchor="ctr" anchorCtr="false">
+                    <a:lnL w="28575" cmpd="sng">
+                      <a:solidFill>
+                        <a:srgbClr val="2C3E50"/>
+                      </a:solidFill>
+                      <a:prstDash val="solid"/>
+                    </a:lnL>
+                    <a:lnR w="28575" cmpd="sng">
+                      <a:solidFill>
+                        <a:srgbClr val="2C3E50"/>
+                      </a:solidFill>
+                      <a:prstDash val="solid"/>
+                    </a:lnR>
+                    <a:lnT w="28575" cmpd="sng">
+                      <a:solidFill>
+                        <a:srgbClr val="2C3E50"/>
+                      </a:solidFill>
+                      <a:prstDash val="solid"/>
+                    </a:lnT>
+                    <a:lnB w="28575" cmpd="sng">
+                      <a:solidFill>
+                        <a:srgbClr val="2C3E50"/>
+                      </a:solidFill>
+                      <a:prstDash val="solid"/>
+                    </a:lnB>
+                  </a:tcPr>
+                </a:tc>
+              </a:tr>
+            </a:tbl>
+          </a:graphicData>
+        </a:graphic>
+      </p:graphicFrame>
+      <p:graphicFrame>
+        <p:nvGraphicFramePr>
+          <p:cNvPr id="7" name="表格 6"/>
+          <p:cNvGraphicFramePr/>
+          <p:nvPr/>
+        </p:nvGraphicFramePr>
+        <p:xfrm>
+          <a:off x="7999730" y="1431290"/>
+          <a:ext cx="1282065" cy="2014855"/>
+        </p:xfrm>
+        <a:graphic>
+          <a:graphicData uri="http://schemas.openxmlformats.org/drawingml/2006/table">
+            <a:tbl>
+              <a:tblPr firstRow="true" bandRow="true">
+                <a:tableStyleId>{5940675A-B579-460E-94D1-54222C63F5DA}</a:tableStyleId>
+              </a:tblPr>
+              <a:tblGrid>
+                <a:gridCol w="1282065"/>
+              </a:tblGrid>
+              <a:tr h="365760">
+                <a:tc>
+                  <a:txBody>
+                    <a:bodyPr/>
+                    <a:p>
+                      <a:pPr>
+                        <a:buNone/>
+                      </a:pPr>
+                      <a:endParaRPr lang="zh-CN" altLang="en-US"/>
+                    </a:p>
+                  </a:txBody>
+                  <a:tcPr>
+                    <a:lnL w="28575" cmpd="sng">
+                      <a:solidFill>
+                        <a:srgbClr val="2C3E50"/>
+                      </a:solidFill>
+                      <a:prstDash val="solid"/>
+                    </a:lnL>
+                    <a:lnR w="28575" cmpd="sng">
+                      <a:solidFill>
+                        <a:srgbClr val="2C3E50"/>
+                      </a:solidFill>
+                      <a:prstDash val="solid"/>
+                    </a:lnR>
+                    <a:lnT w="28575" cmpd="sng">
+                      <a:solidFill>
+                        <a:srgbClr val="2C3E50"/>
+                      </a:solidFill>
+                      <a:prstDash val="solid"/>
+                    </a:lnT>
+                    <a:lnB w="28575" cmpd="sng">
+                      <a:solidFill>
+                        <a:srgbClr val="2C3E50"/>
+                      </a:solidFill>
+                      <a:prstDash val="solid"/>
+                    </a:lnB>
+                  </a:tcPr>
+                </a:tc>
+              </a:tr>
+              <a:tr h="365760">
+                <a:tc>
+                  <a:txBody>
+                    <a:bodyPr/>
+                    <a:p>
+                      <a:pPr>
+                        <a:buNone/>
+                      </a:pPr>
+                      <a:endParaRPr lang="zh-CN" altLang="en-US"/>
+                    </a:p>
+                  </a:txBody>
+                  <a:tcPr>
+                    <a:lnL w="28575" cmpd="sng">
+                      <a:solidFill>
+                        <a:srgbClr val="2C3E50"/>
+                      </a:solidFill>
+                      <a:prstDash val="solid"/>
+                    </a:lnL>
+                    <a:lnR w="28575" cmpd="sng">
+                      <a:solidFill>
+                        <a:srgbClr val="2C3E50"/>
+                      </a:solidFill>
+                      <a:prstDash val="solid"/>
+                    </a:lnR>
+                    <a:lnT w="28575" cmpd="sng">
+                      <a:solidFill>
+                        <a:srgbClr val="2C3E50"/>
+                      </a:solidFill>
+                      <a:prstDash val="solid"/>
+                    </a:lnT>
+                    <a:lnB w="28575" cmpd="sng">
+                      <a:solidFill>
+                        <a:srgbClr val="2C3E50"/>
+                      </a:solidFill>
+                      <a:prstDash val="solid"/>
+                    </a:lnB>
+                  </a:tcPr>
+                </a:tc>
+              </a:tr>
+              <a:tr h="365760">
+                <a:tc>
+                  <a:txBody>
+                    <a:bodyPr/>
+                    <a:p>
+                      <a:pPr>
+                        <a:buNone/>
+                      </a:pPr>
+                      <a:endParaRPr lang="zh-CN" altLang="en-US"/>
+                    </a:p>
+                  </a:txBody>
+                  <a:tcPr>
+                    <a:lnL w="28575" cmpd="sng">
+                      <a:solidFill>
+                        <a:srgbClr val="2C3E50"/>
+                      </a:solidFill>
+                      <a:prstDash val="solid"/>
+                    </a:lnL>
+                    <a:lnR w="28575" cmpd="sng">
+                      <a:solidFill>
+                        <a:srgbClr val="2C3E50"/>
+                      </a:solidFill>
+                      <a:prstDash val="solid"/>
+                    </a:lnR>
+                    <a:lnT w="28575" cmpd="sng">
+                      <a:solidFill>
+                        <a:srgbClr val="2C3E50"/>
+                      </a:solidFill>
+                      <a:prstDash val="solid"/>
+                    </a:lnT>
+                    <a:lnB w="28575" cmpd="sng">
+                      <a:solidFill>
+                        <a:srgbClr val="2C3E50"/>
+                      </a:solidFill>
+                      <a:prstDash val="solid"/>
+                    </a:lnB>
+                  </a:tcPr>
+                </a:tc>
+              </a:tr>
+              <a:tr h="917575">
+                <a:tc>
+                  <a:txBody>
+                    <a:bodyPr/>
+                    <a:p>
+                      <a:pPr>
+                        <a:buNone/>
+                      </a:pPr>
+                      <a:endParaRPr lang="zh-CN" altLang="en-US"/>
+                    </a:p>
+                  </a:txBody>
+                  <a:tcPr>
+                    <a:lnL w="28575" cmpd="sng">
+                      <a:solidFill>
+                        <a:srgbClr val="2C3E50"/>
+                      </a:solidFill>
+                      <a:prstDash val="solid"/>
+                    </a:lnL>
+                    <a:lnR w="28575" cmpd="sng">
+                      <a:solidFill>
+                        <a:srgbClr val="2C3E50"/>
+                      </a:solidFill>
+                      <a:prstDash val="solid"/>
+                    </a:lnR>
+                    <a:lnT w="28575" cmpd="sng">
+                      <a:solidFill>
+                        <a:srgbClr val="2C3E50"/>
+                      </a:solidFill>
+                      <a:prstDash val="solid"/>
+                    </a:lnT>
+                    <a:lnB w="28575" cmpd="sng">
+                      <a:solidFill>
+                        <a:srgbClr val="2C3E50"/>
+                      </a:solidFill>
+                      <a:prstDash val="solid"/>
+                    </a:lnB>
+                  </a:tcPr>
+                </a:tc>
+              </a:tr>
+            </a:tbl>
+          </a:graphicData>
+        </a:graphic>
+      </p:graphicFrame>
+      <p:sp>
+        <p:nvSpPr>
+          <p:cNvPr id="8" name="文本框 7"/>
+          <p:cNvSpPr txBox="true"/>
+          <p:nvPr/>
+        </p:nvSpPr>
+        <p:spPr>
+          <a:xfrm>
+            <a:off x="7868920" y="1088390"/>
+            <a:ext cx="1660525" cy="306705"/>
+          </a:xfrm>
+          <a:prstGeom prst="rect">
+            <a:avLst/>
+          </a:prstGeom>
+          <a:noFill/>
+        </p:spPr>
+        <p:txBody>
+          <a:bodyPr wrap="none" rtlCol="0">
+            <a:spAutoFit/>
+          </a:bodyPr>
+          <a:p>
+            <a:pPr algn="l"/>
+            <a:r>
+              <a:rPr lang="zh-CN" altLang="en-US" sz="1400" b="1">
+                <a:solidFill>
+                  <a:srgbClr val="2C3E50"/>
+                </a:solidFill>
+              </a:rPr>
+              <a:t>NetClientState</a:t>
+            </a:r>
+            <a:endParaRPr lang="zh-CN" altLang="en-US" sz="1400" b="1">
+              <a:solidFill>
+                <a:srgbClr val="2C3E50"/>
+              </a:solidFill>
+            </a:endParaRPr>
+          </a:p>
+        </p:txBody>
+      </p:sp>
+      <p:cxnSp>
+        <p:nvCxnSpPr>
+          <p:cNvPr id="10" name="肘形连接符 9"/>
+          <p:cNvCxnSpPr/>
+          <p:nvPr/>
+        </p:nvCxnSpPr>
+        <p:spPr>
+          <a:xfrm flipV="true">
+            <a:off x="2951480" y="1645920"/>
+            <a:ext cx="1020445" cy="386715"/>
+          </a:xfrm>
+          <a:prstGeom prst="bentConnector3">
+            <a:avLst>
+              <a:gd name="adj1" fmla="val 50031"/>
+            </a:avLst>
+          </a:prstGeom>
+          <a:ln w="38100">
+            <a:solidFill>
+              <a:srgbClr val="3EAF7C"/>
+            </a:solidFill>
+            <a:tailEnd type="arrow"/>
+          </a:ln>
+        </p:spPr>
+        <p:style>
+          <a:lnRef idx="1">
+            <a:schemeClr val="accent1"/>
+          </a:lnRef>
+          <a:fillRef idx="0">
+            <a:schemeClr val="accent1"/>
+          </a:fillRef>
+          <a:effectRef idx="0">
+            <a:schemeClr val="accent1"/>
+          </a:effectRef>
+          <a:fontRef idx="minor">
+            <a:schemeClr val="tx1"/>
+          </a:fontRef>
+        </p:style>
+      </p:cxnSp>
+      <p:cxnSp>
+        <p:nvCxnSpPr>
+          <p:cNvPr id="11" name="肘形连接符 10"/>
+          <p:cNvCxnSpPr>
+            <a:stCxn id="6" idx="3"/>
+          </p:cNvCxnSpPr>
+          <p:nvPr/>
+        </p:nvCxnSpPr>
+        <p:spPr>
+          <a:xfrm flipV="true">
+            <a:off x="5158105" y="1535430"/>
+            <a:ext cx="2834005" cy="883285"/>
+          </a:xfrm>
+          <a:prstGeom prst="bentConnector3">
+            <a:avLst>
+              <a:gd name="adj1" fmla="val 50011"/>
+            </a:avLst>
+          </a:prstGeom>
+          <a:ln w="38100">
+            <a:solidFill>
+              <a:srgbClr val="3EAF7C"/>
+            </a:solidFill>
+            <a:tailEnd type="arrow"/>
+          </a:ln>
+        </p:spPr>
+        <p:style>
+          <a:lnRef idx="1">
+            <a:schemeClr val="accent1"/>
+          </a:lnRef>
+          <a:fillRef idx="0">
+            <a:schemeClr val="accent1"/>
+          </a:fillRef>
+          <a:effectRef idx="0">
+            <a:schemeClr val="accent1"/>
+          </a:effectRef>
+          <a:fontRef idx="minor">
+            <a:schemeClr val="tx1"/>
+          </a:fontRef>
+        </p:style>
+      </p:cxnSp>
+      <p:sp>
+        <p:nvSpPr>
+          <p:cNvPr id="13" name="文本框 12"/>
+          <p:cNvSpPr txBox="true"/>
+          <p:nvPr/>
+        </p:nvSpPr>
+        <p:spPr>
+          <a:xfrm>
+            <a:off x="136525" y="3642360"/>
+            <a:ext cx="1269365" cy="306705"/>
+          </a:xfrm>
+          <a:prstGeom prst="rect">
+            <a:avLst/>
+          </a:prstGeom>
+          <a:noFill/>
+        </p:spPr>
+        <p:txBody>
+          <a:bodyPr wrap="none" rtlCol="0">
+            <a:spAutoFit/>
+          </a:bodyPr>
+          <a:p>
+            <a:r>
+              <a:rPr lang="" altLang="zh-CN" sz="1400" b="1">
+                <a:solidFill>
+                  <a:srgbClr val="2C3E50"/>
+                </a:solidFill>
+              </a:rPr>
+              <a:t>net_clients</a:t>
+            </a:r>
+            <a:endParaRPr lang="" altLang="zh-CN" sz="1400" b="1">
+              <a:solidFill>
+                <a:srgbClr val="2C3E50"/>
+              </a:solidFill>
+            </a:endParaRPr>
+          </a:p>
+        </p:txBody>
+      </p:sp>
+      <p:graphicFrame>
+        <p:nvGraphicFramePr>
+          <p:cNvPr id="16" name="表格 15"/>
+          <p:cNvGraphicFramePr/>
+          <p:nvPr/>
+        </p:nvGraphicFramePr>
+        <p:xfrm>
+          <a:off x="3958590" y="4265295"/>
+          <a:ext cx="1200150" cy="1931035"/>
+        </p:xfrm>
+        <a:graphic>
+          <a:graphicData uri="http://schemas.openxmlformats.org/drawingml/2006/table">
+            <a:tbl>
+              <a:tblPr firstRow="true" bandRow="true">
+                <a:tableStyleId>{5940675A-B579-460E-94D1-54222C63F5DA}</a:tableStyleId>
+              </a:tblPr>
+              <a:tblGrid>
+                <a:gridCol w="1200150"/>
+              </a:tblGrid>
+              <a:tr h="810895">
+                <a:tc>
+                  <a:txBody>
+                    <a:bodyPr/>
+                    <a:p>
+                      <a:pPr algn="ctr">
+                        <a:buNone/>
+                      </a:pPr>
+                      <a:r>
+                        <a:rPr lang="" altLang="en-US" sz="1200" b="1">
+                          <a:solidFill>
+                            <a:srgbClr val="2C3E50"/>
+                          </a:solidFill>
+                        </a:rPr>
+                        <a:t>NetClientState nc</a:t>
+                      </a:r>
+                      <a:endParaRPr lang="" altLang="en-US" sz="1200" b="1">
+                        <a:solidFill>
+                          <a:srgbClr val="2C3E50"/>
+                        </a:solidFill>
+                      </a:endParaRPr>
+                    </a:p>
+                  </a:txBody>
+                  <a:tcPr anchor="ctr" anchorCtr="false">
+                    <a:lnL w="28575">
+                      <a:solidFill>
+                        <a:srgbClr val="2C3E50"/>
+                      </a:solidFill>
+                      <a:prstDash val="solid"/>
+                    </a:lnL>
+                    <a:lnR w="28575">
+                      <a:solidFill>
+                        <a:srgbClr val="2C3E50"/>
+                      </a:solidFill>
+                      <a:prstDash val="solid"/>
+                    </a:lnR>
+                    <a:lnT w="28575">
+                      <a:solidFill>
+                        <a:srgbClr val="2C3E50"/>
+                      </a:solidFill>
+                      <a:prstDash val="solid"/>
+                    </a:lnT>
+                    <a:lnB w="28575">
+                      <a:solidFill>
+                        <a:srgbClr val="2C3E50"/>
+                      </a:solidFill>
+                      <a:prstDash val="solid"/>
+                    </a:lnB>
+                    <a:lnTlToBr>
+                      <a:noFill/>
+                    </a:lnTlToBr>
+                    <a:lnBlToTr>
+                      <a:noFill/>
+                    </a:lnBlToTr>
+                  </a:tcPr>
+                </a:tc>
+              </a:tr>
+              <a:tr h="405765">
+                <a:tc>
+                  <a:txBody>
+                    <a:bodyPr/>
+                    <a:p>
+                      <a:pPr algn="ctr">
+                        <a:buNone/>
+                      </a:pPr>
+                      <a:r>
+                        <a:rPr lang="" altLang="en-US" sz="1200" b="1">
+                          <a:solidFill>
+                            <a:srgbClr val="2C3E50"/>
+                          </a:solidFill>
+                        </a:rPr>
+                        <a:t>next</a:t>
+                      </a:r>
+                      <a:endParaRPr lang="" altLang="en-US" sz="1200" b="1">
+                        <a:solidFill>
+                          <a:srgbClr val="2C3E50"/>
+                        </a:solidFill>
+                      </a:endParaRPr>
+                    </a:p>
+                  </a:txBody>
+                  <a:tcPr anchor="ctr" anchorCtr="false">
+                    <a:lnL w="28575">
+                      <a:solidFill>
+                        <a:srgbClr val="2C3E50"/>
+                      </a:solidFill>
+                      <a:prstDash val="solid"/>
+                    </a:lnL>
+                    <a:lnR w="28575">
+                      <a:solidFill>
+                        <a:srgbClr val="2C3E50"/>
+                      </a:solidFill>
+                      <a:prstDash val="solid"/>
+                    </a:lnR>
+                    <a:lnT w="28575">
+                      <a:solidFill>
+                        <a:srgbClr val="2C3E50"/>
+                      </a:solidFill>
+                      <a:prstDash val="solid"/>
+                    </a:lnT>
+                    <a:lnB w="28575">
+                      <a:solidFill>
+                        <a:srgbClr val="2C3E50"/>
+                      </a:solidFill>
+                      <a:prstDash val="solid"/>
+                    </a:lnB>
+                    <a:lnTlToBr>
+                      <a:noFill/>
+                    </a:lnTlToBr>
+                    <a:lnBlToTr>
+                      <a:noFill/>
+                    </a:lnBlToTr>
+                  </a:tcPr>
+                </a:tc>
+              </a:tr>
+              <a:tr h="405765">
+                <a:tc>
+                  <a:txBody>
+                    <a:bodyPr/>
+                    <a:p>
+                      <a:pPr algn="ctr">
+                        <a:buNone/>
+                      </a:pPr>
+                      <a:r>
+                        <a:rPr lang="" altLang="en-US" sz="1200" b="1">
+                          <a:solidFill>
+                            <a:srgbClr val="2C3E50"/>
+                          </a:solidFill>
+                        </a:rPr>
+                        <a:t>fd</a:t>
+                      </a:r>
+                      <a:endParaRPr lang="" altLang="en-US" sz="1200" b="1">
+                        <a:solidFill>
+                          <a:srgbClr val="2C3E50"/>
+                        </a:solidFill>
+                      </a:endParaRPr>
+                    </a:p>
+                  </a:txBody>
+                  <a:tcPr anchor="ctr" anchorCtr="false">
+                    <a:lnL w="28575">
+                      <a:solidFill>
+                        <a:srgbClr val="2C3E50"/>
+                      </a:solidFill>
+                      <a:prstDash val="solid"/>
+                    </a:lnL>
+                    <a:lnR w="28575">
+                      <a:solidFill>
+                        <a:srgbClr val="2C3E50"/>
+                      </a:solidFill>
+                      <a:prstDash val="solid"/>
+                    </a:lnR>
+                    <a:lnT w="28575">
+                      <a:solidFill>
+                        <a:srgbClr val="2C3E50"/>
+                      </a:solidFill>
+                      <a:prstDash val="solid"/>
+                    </a:lnT>
+                    <a:lnB w="28575">
+                      <a:solidFill>
+                        <a:srgbClr val="2C3E50"/>
+                      </a:solidFill>
+                      <a:prstDash val="solid"/>
+                    </a:lnB>
+                    <a:lnTlToBr>
+                      <a:noFill/>
+                    </a:lnTlToBr>
+                    <a:lnBlToTr>
+                      <a:noFill/>
+                    </a:lnBlToTr>
+                  </a:tcPr>
+                </a:tc>
+              </a:tr>
+              <a:tr h="308610">
+                <a:tc>
+                  <a:txBody>
+                    <a:bodyPr/>
+                    <a:p>
+                      <a:pPr algn="ctr">
+                        <a:buNone/>
+                      </a:pPr>
+                      <a:endParaRPr lang="en-US" altLang="zh-CN" sz="1200" b="1">
+                        <a:solidFill>
+                          <a:srgbClr val="2C3E50"/>
+                        </a:solidFill>
+                      </a:endParaRPr>
+                    </a:p>
+                  </a:txBody>
+                  <a:tcPr anchor="ctr" anchorCtr="false">
+                    <a:lnL w="28575">
+                      <a:solidFill>
+                        <a:srgbClr val="2C3E50"/>
+                      </a:solidFill>
+                      <a:prstDash val="solid"/>
+                    </a:lnL>
+                    <a:lnR w="28575">
+                      <a:solidFill>
+                        <a:srgbClr val="2C3E50"/>
+                      </a:solidFill>
+                      <a:prstDash val="solid"/>
+                    </a:lnR>
+                    <a:lnT w="28575">
+                      <a:solidFill>
+                        <a:srgbClr val="2C3E50"/>
+                      </a:solidFill>
+                      <a:prstDash val="solid"/>
+                    </a:lnT>
+                    <a:lnB w="28575">
+                      <a:solidFill>
+                        <a:srgbClr val="2C3E50"/>
+                      </a:solidFill>
+                      <a:prstDash val="solid"/>
+                    </a:lnB>
+                    <a:lnTlToBr>
+                      <a:noFill/>
+                    </a:lnTlToBr>
+                    <a:lnBlToTr>
+                      <a:noFill/>
+                    </a:lnBlToTr>
+                  </a:tcPr>
+                </a:tc>
+              </a:tr>
+            </a:tbl>
+          </a:graphicData>
+        </a:graphic>
+      </p:graphicFrame>
+      <p:sp>
+        <p:nvSpPr>
+          <p:cNvPr id="17" name="文本框 16"/>
+          <p:cNvSpPr txBox="true"/>
+          <p:nvPr/>
+        </p:nvSpPr>
+        <p:spPr>
+          <a:xfrm>
+            <a:off x="3958590" y="3847465"/>
+            <a:ext cx="1097280" cy="306705"/>
+          </a:xfrm>
+          <a:prstGeom prst="rect">
+            <a:avLst/>
+          </a:prstGeom>
+          <a:noFill/>
+        </p:spPr>
+        <p:txBody>
+          <a:bodyPr wrap="none" rtlCol="0">
+            <a:spAutoFit/>
+          </a:bodyPr>
+          <a:p>
+            <a:pPr algn="l"/>
+            <a:r>
+              <a:rPr lang="zh-CN" altLang="en-US" sz="1400" b="1">
+                <a:solidFill>
+                  <a:srgbClr val="2C3E50"/>
+                </a:solidFill>
+              </a:rPr>
+              <a:t>TAPState</a:t>
+            </a:r>
+            <a:endParaRPr lang="zh-CN" altLang="en-US" sz="1400" b="1">
+              <a:solidFill>
+                <a:srgbClr val="2C3E50"/>
+              </a:solidFill>
+            </a:endParaRPr>
+          </a:p>
+        </p:txBody>
+      </p:sp>
+      <p:cxnSp>
+        <p:nvCxnSpPr>
+          <p:cNvPr id="18" name="肘形连接符 17"/>
+          <p:cNvCxnSpPr>
+            <a:stCxn id="13" idx="2"/>
+            <a:endCxn id="21" idx="1"/>
+          </p:cNvCxnSpPr>
+          <p:nvPr/>
+        </p:nvCxnSpPr>
+        <p:spPr>
+          <a:xfrm rot="5400000" flipV="true">
+            <a:off x="594995" y="4125595"/>
+            <a:ext cx="1272540" cy="919480"/>
+          </a:xfrm>
+          <a:prstGeom prst="bentConnector2">
+            <a:avLst/>
+          </a:prstGeom>
+          <a:ln w="38100">
+            <a:solidFill>
+              <a:srgbClr val="3EAF7C"/>
+            </a:solidFill>
+            <a:tailEnd type="arrow"/>
+          </a:ln>
+        </p:spPr>
+        <p:style>
+          <a:lnRef idx="1">
+            <a:schemeClr val="accent1"/>
+          </a:lnRef>
+          <a:fillRef idx="0">
+            <a:schemeClr val="accent1"/>
+          </a:fillRef>
+          <a:effectRef idx="0">
+            <a:schemeClr val="accent1"/>
+          </a:effectRef>
+          <a:fontRef idx="minor">
+            <a:schemeClr val="tx1"/>
+          </a:fontRef>
+        </p:style>
+      </p:cxnSp>
+      <p:graphicFrame>
+        <p:nvGraphicFramePr>
+          <p:cNvPr id="21" name="表格 20"/>
+          <p:cNvGraphicFramePr/>
+          <p:nvPr/>
+        </p:nvGraphicFramePr>
+        <p:xfrm>
+          <a:off x="1691005" y="4255770"/>
+          <a:ext cx="1200150" cy="1931035"/>
+        </p:xfrm>
+        <a:graphic>
+          <a:graphicData uri="http://schemas.openxmlformats.org/drawingml/2006/table">
+            <a:tbl>
+              <a:tblPr firstRow="true" bandRow="true">
+                <a:tableStyleId>{5940675A-B579-460E-94D1-54222C63F5DA}</a:tableStyleId>
+              </a:tblPr>
+              <a:tblGrid>
+                <a:gridCol w="1200150"/>
+              </a:tblGrid>
+              <a:tr h="810895">
+                <a:tc>
+                  <a:txBody>
+                    <a:bodyPr/>
+                    <a:p>
+                      <a:pPr algn="ctr">
+                        <a:buNone/>
+                      </a:pPr>
+                      <a:r>
+                        <a:rPr lang="en-US" altLang="en-US" sz="1200" b="1">
+                          <a:solidFill>
+                            <a:srgbClr val="2C3E50"/>
+                          </a:solidFill>
+                        </a:rPr>
+                        <a:t>NetClientState nc</a:t>
+                      </a:r>
+                      <a:endParaRPr lang="en-US" altLang="en-US" sz="1200" b="1">
+                        <a:solidFill>
+                          <a:srgbClr val="2C3E50"/>
+                        </a:solidFill>
+                      </a:endParaRPr>
+                    </a:p>
+                  </a:txBody>
+                  <a:tcPr anchor="ctr" anchorCtr="false">
+                    <a:lnL w="28575">
+                      <a:solidFill>
+                        <a:srgbClr val="2C3E50"/>
+                      </a:solidFill>
+                      <a:prstDash val="solid"/>
+                    </a:lnL>
+                    <a:lnR w="28575">
+                      <a:solidFill>
+                        <a:srgbClr val="2C3E50"/>
+                      </a:solidFill>
+                      <a:prstDash val="solid"/>
+                    </a:lnR>
+                    <a:lnT w="28575">
+                      <a:solidFill>
+                        <a:srgbClr val="2C3E50"/>
+                      </a:solidFill>
+                      <a:prstDash val="solid"/>
+                    </a:lnT>
+                    <a:lnB w="28575">
+                      <a:solidFill>
+                        <a:srgbClr val="2C3E50"/>
+                      </a:solidFill>
+                      <a:prstDash val="solid"/>
+                    </a:lnB>
+                    <a:lnTlToBr>
+                      <a:noFill/>
+                    </a:lnTlToBr>
+                    <a:lnBlToTr>
+                      <a:noFill/>
+                    </a:lnBlToTr>
+                  </a:tcPr>
+                </a:tc>
+              </a:tr>
+              <a:tr h="405765">
+                <a:tc>
+                  <a:txBody>
+                    <a:bodyPr/>
+                    <a:p>
+                      <a:pPr algn="ctr">
+                        <a:buNone/>
+                      </a:pPr>
+                      <a:r>
+                        <a:rPr lang="en-US" altLang="en-US" sz="1200" b="1">
+                          <a:solidFill>
+                            <a:srgbClr val="2C3E50"/>
+                          </a:solidFill>
+                        </a:rPr>
+                        <a:t>next</a:t>
+                      </a:r>
+                      <a:endParaRPr lang="en-US" altLang="en-US" sz="1200" b="1">
+                        <a:solidFill>
+                          <a:srgbClr val="2C3E50"/>
+                        </a:solidFill>
+                      </a:endParaRPr>
+                    </a:p>
+                  </a:txBody>
+                  <a:tcPr anchor="ctr" anchorCtr="false">
+                    <a:lnL w="28575">
+                      <a:solidFill>
+                        <a:srgbClr val="2C3E50"/>
+                      </a:solidFill>
+                      <a:prstDash val="solid"/>
+                    </a:lnL>
+                    <a:lnR w="28575">
+                      <a:solidFill>
+                        <a:srgbClr val="2C3E50"/>
+                      </a:solidFill>
+                      <a:prstDash val="solid"/>
+                    </a:lnR>
+                    <a:lnT w="28575">
+                      <a:solidFill>
+                        <a:srgbClr val="2C3E50"/>
+                      </a:solidFill>
+                      <a:prstDash val="solid"/>
+                    </a:lnT>
+                    <a:lnB w="28575">
+                      <a:solidFill>
+                        <a:srgbClr val="2C3E50"/>
+                      </a:solidFill>
+                      <a:prstDash val="solid"/>
+                    </a:lnB>
+                    <a:lnTlToBr>
+                      <a:noFill/>
+                    </a:lnTlToBr>
+                    <a:lnBlToTr>
+                      <a:noFill/>
+                    </a:lnBlToTr>
+                  </a:tcPr>
+                </a:tc>
+              </a:tr>
+              <a:tr h="405765">
+                <a:tc>
+                  <a:txBody>
+                    <a:bodyPr/>
+                    <a:p>
+                      <a:pPr algn="ctr">
+                        <a:buNone/>
+                      </a:pPr>
+                      <a:r>
+                        <a:rPr lang="en-US" altLang="en-US" sz="1200" b="1">
+                          <a:solidFill>
+                            <a:srgbClr val="2C3E50"/>
+                          </a:solidFill>
+                        </a:rPr>
+                        <a:t>fd</a:t>
+                      </a:r>
+                      <a:endParaRPr lang="en-US" altLang="en-US" sz="1200" b="1">
+                        <a:solidFill>
+                          <a:srgbClr val="2C3E50"/>
+                        </a:solidFill>
+                      </a:endParaRPr>
+                    </a:p>
+                  </a:txBody>
+                  <a:tcPr anchor="ctr" anchorCtr="false">
+                    <a:lnL w="28575">
+                      <a:solidFill>
+                        <a:srgbClr val="2C3E50"/>
+                      </a:solidFill>
+                      <a:prstDash val="solid"/>
+                    </a:lnL>
+                    <a:lnR w="28575">
+                      <a:solidFill>
+                        <a:srgbClr val="2C3E50"/>
+                      </a:solidFill>
+                      <a:prstDash val="solid"/>
+                    </a:lnR>
+                    <a:lnT w="28575">
+                      <a:solidFill>
+                        <a:srgbClr val="2C3E50"/>
+                      </a:solidFill>
+                      <a:prstDash val="solid"/>
+                    </a:lnT>
+                    <a:lnB w="28575">
+                      <a:solidFill>
+                        <a:srgbClr val="2C3E50"/>
+                      </a:solidFill>
+                      <a:prstDash val="solid"/>
+                    </a:lnB>
+                    <a:lnTlToBr>
+                      <a:noFill/>
+                    </a:lnTlToBr>
+                    <a:lnBlToTr>
+                      <a:noFill/>
+                    </a:lnBlToTr>
+                  </a:tcPr>
+                </a:tc>
+              </a:tr>
+              <a:tr h="308610">
+                <a:tc>
+                  <a:txBody>
+                    <a:bodyPr/>
+                    <a:p>
+                      <a:pPr algn="ctr">
+                        <a:buNone/>
+                      </a:pPr>
+                      <a:endParaRPr lang="en-US" altLang="zh-CN" sz="1200" b="1">
+                        <a:solidFill>
+                          <a:srgbClr val="2C3E50"/>
+                        </a:solidFill>
+                      </a:endParaRPr>
+                    </a:p>
+                  </a:txBody>
+                  <a:tcPr anchor="ctr" anchorCtr="false">
+                    <a:lnL w="28575">
+                      <a:solidFill>
+                        <a:srgbClr val="2C3E50"/>
+                      </a:solidFill>
+                      <a:prstDash val="solid"/>
+                    </a:lnL>
+                    <a:lnR w="28575">
+                      <a:solidFill>
+                        <a:srgbClr val="2C3E50"/>
+                      </a:solidFill>
+                      <a:prstDash val="solid"/>
+                    </a:lnR>
+                    <a:lnT w="28575">
+                      <a:solidFill>
+                        <a:srgbClr val="2C3E50"/>
+                      </a:solidFill>
+                      <a:prstDash val="solid"/>
+                    </a:lnT>
+                    <a:lnB w="28575">
+                      <a:solidFill>
+                        <a:srgbClr val="2C3E50"/>
+                      </a:solidFill>
+                      <a:prstDash val="solid"/>
+                    </a:lnB>
+                    <a:lnTlToBr>
+                      <a:noFill/>
+                    </a:lnTlToBr>
+                    <a:lnBlToTr>
+                      <a:noFill/>
+                    </a:lnBlToTr>
+                  </a:tcPr>
+                </a:tc>
+              </a:tr>
+            </a:tbl>
+          </a:graphicData>
+        </a:graphic>
+      </p:graphicFrame>
+      <p:sp>
+        <p:nvSpPr>
+          <p:cNvPr id="22" name="文本框 21"/>
+          <p:cNvSpPr txBox="true"/>
+          <p:nvPr/>
+        </p:nvSpPr>
+        <p:spPr>
+          <a:xfrm>
+            <a:off x="1691005" y="3837940"/>
+            <a:ext cx="1097280" cy="306705"/>
+          </a:xfrm>
+          <a:prstGeom prst="rect">
+            <a:avLst/>
+          </a:prstGeom>
+          <a:noFill/>
+        </p:spPr>
+        <p:txBody>
+          <a:bodyPr wrap="none" rtlCol="0">
+            <a:spAutoFit/>
+          </a:bodyPr>
+          <a:p>
+            <a:pPr algn="l"/>
+            <a:r>
+              <a:rPr lang="zh-CN" altLang="en-US" sz="1400" b="1">
+                <a:solidFill>
+                  <a:srgbClr val="2C3E50"/>
+                </a:solidFill>
+              </a:rPr>
+              <a:t>TAPState</a:t>
+            </a:r>
+            <a:endParaRPr lang="zh-CN" altLang="en-US" sz="1400" b="1">
+              <a:solidFill>
+                <a:srgbClr val="2C3E50"/>
+              </a:solidFill>
+            </a:endParaRPr>
+          </a:p>
+        </p:txBody>
+      </p:sp>
+      <p:cxnSp>
+        <p:nvCxnSpPr>
+          <p:cNvPr id="23" name="直接箭头连接符 22"/>
+          <p:cNvCxnSpPr>
+            <a:stCxn id="21" idx="3"/>
+            <a:endCxn id="16" idx="1"/>
+          </p:cNvCxnSpPr>
+          <p:nvPr/>
+        </p:nvCxnSpPr>
+        <p:spPr>
+          <a:xfrm>
+            <a:off x="2891155" y="5221605"/>
+            <a:ext cx="1067435" cy="9525"/>
+          </a:xfrm>
+          <a:prstGeom prst="straightConnector1">
+            <a:avLst/>
+          </a:prstGeom>
+          <a:ln w="38100">
+            <a:solidFill>
+              <a:srgbClr val="3EAF7C"/>
+            </a:solidFill>
+            <a:tailEnd type="arrow"/>
+          </a:ln>
+        </p:spPr>
+        <p:style>
+          <a:lnRef idx="1">
+            <a:schemeClr val="accent1"/>
+          </a:lnRef>
+          <a:fillRef idx="0">
+            <a:schemeClr val="accent1"/>
+          </a:fillRef>
+          <a:effectRef idx="0">
+            <a:schemeClr val="accent1"/>
+          </a:effectRef>
+          <a:fontRef idx="minor">
+            <a:schemeClr val="tx1"/>
+          </a:fontRef>
+        </p:style>
+      </p:cxnSp>
+      <p:cxnSp>
+        <p:nvCxnSpPr>
+          <p:cNvPr id="24" name="直接箭头连接符 23"/>
+          <p:cNvCxnSpPr>
+            <a:stCxn id="16" idx="3"/>
+          </p:cNvCxnSpPr>
+          <p:nvPr/>
+        </p:nvCxnSpPr>
+        <p:spPr>
+          <a:xfrm>
+            <a:off x="5158740" y="5231130"/>
+            <a:ext cx="1553210" cy="20955"/>
+          </a:xfrm>
+          <a:prstGeom prst="straightConnector1">
+            <a:avLst/>
+          </a:prstGeom>
+          <a:ln w="38100">
+            <a:solidFill>
+              <a:srgbClr val="3EAF7C"/>
+            </a:solidFill>
+            <a:tailEnd type="arrow"/>
+          </a:ln>
+        </p:spPr>
+        <p:style>
+          <a:lnRef idx="1">
+            <a:schemeClr val="accent1"/>
+          </a:lnRef>
+          <a:fillRef idx="0">
+            <a:schemeClr val="accent1"/>
+          </a:fillRef>
+          <a:effectRef idx="0">
+            <a:schemeClr val="accent1"/>
+          </a:effectRef>
+          <a:fontRef idx="minor">
+            <a:schemeClr val="tx1"/>
+          </a:fontRef>
+        </p:style>
+      </p:cxnSp>
+      <p:sp>
+        <p:nvSpPr>
+          <p:cNvPr id="25" name="文本框 24"/>
+          <p:cNvSpPr txBox="true"/>
+          <p:nvPr/>
+        </p:nvSpPr>
+        <p:spPr>
+          <a:xfrm>
+            <a:off x="9043035" y="4603115"/>
+            <a:ext cx="2797810" cy="368300"/>
+          </a:xfrm>
+          <a:prstGeom prst="rect">
+            <a:avLst/>
+          </a:prstGeom>
+          <a:noFill/>
+        </p:spPr>
+        <p:txBody>
+          <a:bodyPr wrap="none" rtlCol="0">
+            <a:spAutoFit/>
+          </a:bodyPr>
+          <a:p>
+            <a:r>
+              <a:rPr lang="" altLang="zh-CN" b="1">
+                <a:solidFill>
+                  <a:srgbClr val="2C3E50"/>
+                </a:solidFill>
+              </a:rPr>
+              <a:t>set_netdev() </a:t>
+            </a:r>
+            <a:r>
+              <a:rPr lang="zh-CN" altLang="" b="1">
+                <a:solidFill>
+                  <a:srgbClr val="2C3E50"/>
+                </a:solidFill>
+              </a:rPr>
+              <a:t>建立关系</a:t>
+            </a:r>
+            <a:endParaRPr lang="zh-CN" altLang="" b="1">
+              <a:solidFill>
+                <a:srgbClr val="2C3E50"/>
+              </a:solidFill>
+            </a:endParaRPr>
+          </a:p>
+        </p:txBody>
+      </p:sp>
+      <p:sp>
+        <p:nvSpPr>
+          <p:cNvPr id="26" name="文本框 25"/>
+          <p:cNvSpPr txBox="true"/>
+          <p:nvPr/>
+        </p:nvSpPr>
+        <p:spPr>
+          <a:xfrm>
+            <a:off x="6711950" y="5057775"/>
+            <a:ext cx="1570355" cy="306705"/>
+          </a:xfrm>
+          <a:prstGeom prst="rect">
+            <a:avLst/>
+          </a:prstGeom>
+          <a:noFill/>
+        </p:spPr>
+        <p:txBody>
+          <a:bodyPr wrap="none" rtlCol="0">
+            <a:spAutoFit/>
+          </a:bodyPr>
+          <a:p>
+            <a:r>
+              <a:rPr lang="" altLang="zh-CN" sz="1400" b="1">
+                <a:solidFill>
+                  <a:srgbClr val="2C3E50"/>
+                </a:solidFill>
+              </a:rPr>
+              <a:t>new TAPState</a:t>
+            </a:r>
+            <a:endParaRPr lang="" altLang="zh-CN" sz="1400" b="1">
+              <a:solidFill>
+                <a:srgbClr val="2C3E50"/>
+              </a:solidFill>
+            </a:endParaRPr>
+          </a:p>
+        </p:txBody>
+      </p:sp>
+      <p:cxnSp>
+        <p:nvCxnSpPr>
+          <p:cNvPr id="27" name="肘形连接符 26"/>
+          <p:cNvCxnSpPr>
+            <a:stCxn id="25" idx="0"/>
+            <a:endCxn id="7" idx="3"/>
+          </p:cNvCxnSpPr>
+          <p:nvPr/>
+        </p:nvCxnSpPr>
+        <p:spPr>
+          <a:xfrm rot="16200000" flipV="true">
+            <a:off x="8779828" y="2941003"/>
+            <a:ext cx="2164080" cy="1160145"/>
+          </a:xfrm>
+          <a:prstGeom prst="bentConnector2">
+            <a:avLst/>
+          </a:prstGeom>
+          <a:ln w="38100">
+            <a:solidFill>
+              <a:srgbClr val="CC0000"/>
+            </a:solidFill>
+            <a:tailEnd type="arrow"/>
+          </a:ln>
+        </p:spPr>
+        <p:style>
+          <a:lnRef idx="1">
+            <a:schemeClr val="accent1"/>
+          </a:lnRef>
+          <a:fillRef idx="0">
+            <a:schemeClr val="accent1"/>
+          </a:fillRef>
+          <a:effectRef idx="0">
+            <a:schemeClr val="accent1"/>
+          </a:effectRef>
+          <a:fontRef idx="minor">
+            <a:schemeClr val="tx1"/>
+          </a:fontRef>
+        </p:style>
+      </p:cxnSp>
+      <p:cxnSp>
+        <p:nvCxnSpPr>
+          <p:cNvPr id="28" name="肘形连接符 27"/>
+          <p:cNvCxnSpPr>
+            <a:stCxn id="25" idx="2"/>
+            <a:endCxn id="16" idx="2"/>
+          </p:cNvCxnSpPr>
+          <p:nvPr/>
+        </p:nvCxnSpPr>
+        <p:spPr>
+          <a:xfrm rot="5400000">
+            <a:off x="6887845" y="2642235"/>
+            <a:ext cx="1224915" cy="5883275"/>
+          </a:xfrm>
+          <a:prstGeom prst="bentConnector3">
+            <a:avLst>
+              <a:gd name="adj1" fmla="val 119440"/>
+            </a:avLst>
+          </a:prstGeom>
+          <a:ln w="38100">
+            <a:solidFill>
+              <a:srgbClr val="CC0000"/>
+            </a:solidFill>
+            <a:tailEnd type="arrow"/>
+          </a:ln>
+        </p:spPr>
+        <p:style>
+          <a:lnRef idx="1">
+            <a:schemeClr val="accent1"/>
+          </a:lnRef>
+          <a:fillRef idx="0">
+            <a:schemeClr val="accent1"/>
+          </a:fillRef>
+          <a:effectRef idx="0">
+            <a:schemeClr val="accent1"/>
+          </a:effectRef>
+          <a:fontRef idx="minor">
+            <a:schemeClr val="tx1"/>
+          </a:fontRef>
+        </p:style>
+      </p:cxnSp>
     </p:spTree>
   </p:cSld>
   <p:clrMapOvr>
